--- a/plano_de_fundo.pptx
+++ b/plano_de_fundo.pptx
@@ -1,19 +1,19 @@
 
 <file path=ppt/presentation.xml><?xml version="1.0" encoding="utf-8"?>
-<p:presentation xmlns:a="http://schemas.openxmlformats.org/drawingml/2006/main" xmlns:r="http://schemas.openxmlformats.org/officeDocument/2006/relationships" xmlns:mc="http://schemas.openxmlformats.org/markup-compatibility/2006" xmlns:mv="urn:schemas-microsoft-com:mac:vml" xmlns:p="http://schemas.openxmlformats.org/presentationml/2006/main" xmlns:c="http://schemas.openxmlformats.org/drawingml/2006/chart" xmlns:dgm="http://schemas.openxmlformats.org/drawingml/2006/diagram" xmlns:o="urn:schemas-microsoft-com:office:office" xmlns:v="urn:schemas-microsoft-com:vml" xmlns:pvml="urn:schemas-microsoft-com:office:powerpoint" xmlns:com="http://schemas.openxmlformats.org/drawingml/2006/compatibility" xmlns:p14="http://schemas.microsoft.com/office/powerpoint/2010/main" xmlns:p15="http://schemas.microsoft.com/office/powerpoint/2012/main" xmlns:ahyp="http://schemas.microsoft.com/office/drawing/2018/hyperlinkcolor" autoCompressPictures="0" strictFirstAndLastChars="0" saveSubsetFonts="1">
+<p:presentation xmlns:a="http://schemas.openxmlformats.org/drawingml/2006/main" xmlns:r="http://schemas.openxmlformats.org/officeDocument/2006/relationships" xmlns:p="http://schemas.openxmlformats.org/presentationml/2006/main" strictFirstAndLastChars="0" saveSubsetFonts="1" autoCompressPictures="0">
   <p:sldMasterIdLst>
-    <p:sldMasterId id="2147483648" r:id="rId3"/>
+    <p:sldMasterId id="2147483648" r:id="rId1"/>
   </p:sldMasterIdLst>
   <p:notesMasterIdLst>
-    <p:notesMasterId r:id="rId4"/>
+    <p:notesMasterId r:id="rId3"/>
   </p:notesMasterIdLst>
   <p:sldIdLst>
-    <p:sldId id="256" r:id="rId5"/>
+    <p:sldId id="256" r:id="rId2"/>
   </p:sldIdLst>
-  <p:sldSz cy="6858000" cx="12192000"/>
+  <p:sldSz cx="12192000" cy="6858000"/>
   <p:notesSz cx="6858000" cy="9144000"/>
   <p:defaultTextStyle>
-    <a:defPPr lvl="0" marR="0" rtl="0" algn="l">
+    <a:defPPr marR="0" lvl="0" algn="l" rtl="0">
       <a:lnSpc>
         <a:spcPct val="100000"/>
       </a:lnSpc>
@@ -24,7 +24,7 @@
         <a:spcPts val="0"/>
       </a:spcAft>
     </a:defPPr>
-    <a:lvl1pPr lvl="0" marR="0" rtl="0" algn="l">
+    <a:lvl1pPr marR="0" lvl="0" algn="l" rtl="0">
       <a:lnSpc>
         <a:spcPct val="100000"/>
       </a:lnSpc>
@@ -38,7 +38,7 @@
         <a:srgbClr val="000000"/>
       </a:buClr>
       <a:buFont typeface="Arial"/>
-      <a:defRPr b="0" i="0" sz="1400" u="none" cap="none" strike="noStrike">
+      <a:defRPr sz="1400" b="0" i="0" u="none" strike="noStrike" cap="none">
         <a:solidFill>
           <a:srgbClr val="000000"/>
         </a:solidFill>
@@ -48,7 +48,7 @@
         <a:sym typeface="Arial"/>
       </a:defRPr>
     </a:lvl1pPr>
-    <a:lvl2pPr lvl="1" marR="0" rtl="0" algn="l">
+    <a:lvl2pPr marR="0" lvl="1" algn="l" rtl="0">
       <a:lnSpc>
         <a:spcPct val="100000"/>
       </a:lnSpc>
@@ -62,7 +62,7 @@
         <a:srgbClr val="000000"/>
       </a:buClr>
       <a:buFont typeface="Arial"/>
-      <a:defRPr b="0" i="0" sz="1400" u="none" cap="none" strike="noStrike">
+      <a:defRPr sz="1400" b="0" i="0" u="none" strike="noStrike" cap="none">
         <a:solidFill>
           <a:srgbClr val="000000"/>
         </a:solidFill>
@@ -72,7 +72,7 @@
         <a:sym typeface="Arial"/>
       </a:defRPr>
     </a:lvl2pPr>
-    <a:lvl3pPr lvl="2" marR="0" rtl="0" algn="l">
+    <a:lvl3pPr marR="0" lvl="2" algn="l" rtl="0">
       <a:lnSpc>
         <a:spcPct val="100000"/>
       </a:lnSpc>
@@ -86,7 +86,7 @@
         <a:srgbClr val="000000"/>
       </a:buClr>
       <a:buFont typeface="Arial"/>
-      <a:defRPr b="0" i="0" sz="1400" u="none" cap="none" strike="noStrike">
+      <a:defRPr sz="1400" b="0" i="0" u="none" strike="noStrike" cap="none">
         <a:solidFill>
           <a:srgbClr val="000000"/>
         </a:solidFill>
@@ -96,7 +96,7 @@
         <a:sym typeface="Arial"/>
       </a:defRPr>
     </a:lvl3pPr>
-    <a:lvl4pPr lvl="3" marR="0" rtl="0" algn="l">
+    <a:lvl4pPr marR="0" lvl="3" algn="l" rtl="0">
       <a:lnSpc>
         <a:spcPct val="100000"/>
       </a:lnSpc>
@@ -110,7 +110,7 @@
         <a:srgbClr val="000000"/>
       </a:buClr>
       <a:buFont typeface="Arial"/>
-      <a:defRPr b="0" i="0" sz="1400" u="none" cap="none" strike="noStrike">
+      <a:defRPr sz="1400" b="0" i="0" u="none" strike="noStrike" cap="none">
         <a:solidFill>
           <a:srgbClr val="000000"/>
         </a:solidFill>
@@ -120,7 +120,7 @@
         <a:sym typeface="Arial"/>
       </a:defRPr>
     </a:lvl4pPr>
-    <a:lvl5pPr lvl="4" marR="0" rtl="0" algn="l">
+    <a:lvl5pPr marR="0" lvl="4" algn="l" rtl="0">
       <a:lnSpc>
         <a:spcPct val="100000"/>
       </a:lnSpc>
@@ -134,7 +134,7 @@
         <a:srgbClr val="000000"/>
       </a:buClr>
       <a:buFont typeface="Arial"/>
-      <a:defRPr b="0" i="0" sz="1400" u="none" cap="none" strike="noStrike">
+      <a:defRPr sz="1400" b="0" i="0" u="none" strike="noStrike" cap="none">
         <a:solidFill>
           <a:srgbClr val="000000"/>
         </a:solidFill>
@@ -144,7 +144,7 @@
         <a:sym typeface="Arial"/>
       </a:defRPr>
     </a:lvl5pPr>
-    <a:lvl6pPr lvl="5" marR="0" rtl="0" algn="l">
+    <a:lvl6pPr marR="0" lvl="5" algn="l" rtl="0">
       <a:lnSpc>
         <a:spcPct val="100000"/>
       </a:lnSpc>
@@ -158,7 +158,7 @@
         <a:srgbClr val="000000"/>
       </a:buClr>
       <a:buFont typeface="Arial"/>
-      <a:defRPr b="0" i="0" sz="1400" u="none" cap="none" strike="noStrike">
+      <a:defRPr sz="1400" b="0" i="0" u="none" strike="noStrike" cap="none">
         <a:solidFill>
           <a:srgbClr val="000000"/>
         </a:solidFill>
@@ -168,7 +168,7 @@
         <a:sym typeface="Arial"/>
       </a:defRPr>
     </a:lvl6pPr>
-    <a:lvl7pPr lvl="6" marR="0" rtl="0" algn="l">
+    <a:lvl7pPr marR="0" lvl="6" algn="l" rtl="0">
       <a:lnSpc>
         <a:spcPct val="100000"/>
       </a:lnSpc>
@@ -182,7 +182,7 @@
         <a:srgbClr val="000000"/>
       </a:buClr>
       <a:buFont typeface="Arial"/>
-      <a:defRPr b="0" i="0" sz="1400" u="none" cap="none" strike="noStrike">
+      <a:defRPr sz="1400" b="0" i="0" u="none" strike="noStrike" cap="none">
         <a:solidFill>
           <a:srgbClr val="000000"/>
         </a:solidFill>
@@ -192,7 +192,7 @@
         <a:sym typeface="Arial"/>
       </a:defRPr>
     </a:lvl7pPr>
-    <a:lvl8pPr lvl="7" marR="0" rtl="0" algn="l">
+    <a:lvl8pPr marR="0" lvl="7" algn="l" rtl="0">
       <a:lnSpc>
         <a:spcPct val="100000"/>
       </a:lnSpc>
@@ -206,7 +206,7 @@
         <a:srgbClr val="000000"/>
       </a:buClr>
       <a:buFont typeface="Arial"/>
-      <a:defRPr b="0" i="0" sz="1400" u="none" cap="none" strike="noStrike">
+      <a:defRPr sz="1400" b="0" i="0" u="none" strike="noStrike" cap="none">
         <a:solidFill>
           <a:srgbClr val="000000"/>
         </a:solidFill>
@@ -216,7 +216,7 @@
         <a:sym typeface="Arial"/>
       </a:defRPr>
     </a:lvl8pPr>
-    <a:lvl9pPr lvl="8" marR="0" rtl="0" algn="l">
+    <a:lvl9pPr marR="0" lvl="8" algn="l" rtl="0">
       <a:lnSpc>
         <a:spcPct val="100000"/>
       </a:lnSpc>
@@ -230,7 +230,7 @@
         <a:srgbClr val="000000"/>
       </a:buClr>
       <a:buFont typeface="Arial"/>
-      <a:defRPr b="0" i="0" sz="1400" u="none" cap="none" strike="noStrike">
+      <a:defRPr sz="1400" b="0" i="0" u="none" strike="noStrike" cap="none">
         <a:solidFill>
           <a:srgbClr val="000000"/>
         </a:solidFill>
@@ -243,18 +243,23 @@
   </p:defaultTextStyle>
   <p:extLst>
     <p:ext uri="GoogleSlidesCustomDataVersion2">
-      <go:slidesCustomData xmlns:go="http://customooxmlschemas.google.com/" r:id="rId6" roundtripDataSignature="AMtx7miQmxV7R3DuPuEXVq70Mssf7MahMQ=="/>
+      <go:slidesCustomData xmlns:go="http://customooxmlschemas.google.com/" xmlns:ahyp="http://schemas.microsoft.com/office/drawing/2018/hyperlinkcolor" xmlns:p15="http://schemas.microsoft.com/office/powerpoint/2012/main" xmlns:p14="http://schemas.microsoft.com/office/powerpoint/2010/main" xmlns:com="http://schemas.openxmlformats.org/drawingml/2006/compatibility" xmlns:pvml="urn:schemas-microsoft-com:office:powerpoint" xmlns:v="urn:schemas-microsoft-com:vml" xmlns:o="urn:schemas-microsoft-com:office:office" xmlns:dgm="http://schemas.openxmlformats.org/drawingml/2006/diagram" xmlns:c="http://schemas.openxmlformats.org/drawingml/2006/chart" xmlns:mv="urn:schemas-microsoft-com:mac:vml" xmlns:mc="http://schemas.openxmlformats.org/markup-compatibility/2006" xmlns="" r:id="rId6" roundtripDataSignature="AMtx7miQmxV7R3DuPuEXVq70Mssf7MahMQ=="/>
     </p:ext>
   </p:extLst>
 </p:presentation>
 </file>
 
 <file path=ppt/notesMasters/notesMaster1.xml><?xml version="1.0" encoding="utf-8"?>
-<p:notesMaster xmlns:a="http://schemas.openxmlformats.org/drawingml/2006/main" xmlns:r="http://schemas.openxmlformats.org/officeDocument/2006/relationships" xmlns:mc="http://schemas.openxmlformats.org/markup-compatibility/2006" xmlns:mv="urn:schemas-microsoft-com:mac:vml" xmlns:p="http://schemas.openxmlformats.org/presentationml/2006/main" xmlns:c="http://schemas.openxmlformats.org/drawingml/2006/chart" xmlns:dgm="http://schemas.openxmlformats.org/drawingml/2006/diagram" xmlns:o="urn:schemas-microsoft-com:office:office" xmlns:v="urn:schemas-microsoft-com:vml" xmlns:pvml="urn:schemas-microsoft-com:office:powerpoint" xmlns:com="http://schemas.openxmlformats.org/drawingml/2006/compatibility" xmlns:p14="http://schemas.microsoft.com/office/powerpoint/2010/main" xmlns:p15="http://schemas.microsoft.com/office/powerpoint/2012/main" xmlns:ahyp="http://schemas.microsoft.com/office/drawing/2018/hyperlinkcolor">
+<p:notesMaster xmlns:a="http://schemas.openxmlformats.org/drawingml/2006/main" xmlns:r="http://schemas.openxmlformats.org/officeDocument/2006/relationships" xmlns:p="http://schemas.openxmlformats.org/presentationml/2006/main">
   <p:cSld>
+    <p:bg>
+      <p:bgRef idx="1001">
+        <a:schemeClr val="bg1"/>
+      </p:bgRef>
+    </p:bg>
     <p:spTree>
       <p:nvGrpSpPr>
-        <p:cNvPr id="2" name="Shape 2"/>
+        <p:cNvPr id="1" name="Shape 2"/>
         <p:cNvGrpSpPr/>
         <p:nvPr/>
       </p:nvGrpSpPr>
@@ -269,9 +274,11 @@
       <p:sp>
         <p:nvSpPr>
           <p:cNvPr id="3" name="Google Shape;3;n"/>
-          <p:cNvSpPr/>
+          <p:cNvSpPr>
+            <a:spLocks noGrp="1" noRot="1" noChangeAspect="1"/>
+          </p:cNvSpPr>
           <p:nvPr>
-            <p:ph idx="2" type="sldImg"/>
+            <p:ph type="sldImg" idx="2"/>
           </p:nvPr>
         </p:nvSpPr>
         <p:spPr>
@@ -280,9 +287,13 @@
             <a:ext cx="4572225" cy="3429000"/>
           </a:xfrm>
           <a:custGeom>
-            <a:rect b="b" l="l" r="r" t="t"/>
+            <a:avLst/>
+            <a:gdLst/>
+            <a:ahLst/>
+            <a:cxnLst/>
+            <a:rect l="l" t="t" r="r" b="b"/>
             <a:pathLst>
-              <a:path extrusionOk="0" h="120000" w="120000">
+              <a:path w="120000" h="120000" extrusionOk="0">
                 <a:moveTo>
                   <a:pt x="0" y="0"/>
                 </a:moveTo>
@@ -300,23 +311,25 @@
             </a:pathLst>
           </a:custGeom>
           <a:noFill/>
-          <a:ln cap="flat" cmpd="sng" w="9525">
+          <a:ln w="9525" cap="flat" cmpd="sng">
             <a:solidFill>
               <a:srgbClr val="000000"/>
             </a:solidFill>
             <a:prstDash val="solid"/>
             <a:round/>
-            <a:headEnd len="sm" w="sm" type="none"/>
-            <a:tailEnd len="sm" w="sm" type="none"/>
+            <a:headEnd type="none" w="sm" len="sm"/>
+            <a:tailEnd type="none" w="sm" len="sm"/>
           </a:ln>
         </p:spPr>
       </p:sp>
       <p:sp>
         <p:nvSpPr>
           <p:cNvPr id="4" name="Google Shape;4;n"/>
-          <p:cNvSpPr txBox="1"/>
+          <p:cNvSpPr txBox="1">
+            <a:spLocks noGrp="1"/>
+          </p:cNvSpPr>
           <p:nvPr>
-            <p:ph idx="1" type="body"/>
+            <p:ph type="body" idx="1"/>
           </p:nvPr>
         </p:nvSpPr>
         <p:spPr>
@@ -333,11 +346,11 @@
           </a:ln>
         </p:spPr>
         <p:txBody>
-          <a:bodyPr anchorCtr="0" anchor="t" bIns="91425" lIns="91425" spcFirstLastPara="1" rIns="91425" wrap="square" tIns="91425">
+          <a:bodyPr spcFirstLastPara="1" wrap="square" lIns="91425" tIns="91425" rIns="91425" bIns="91425" anchor="t" anchorCtr="0">
             <a:noAutofit/>
           </a:bodyPr>
           <a:lstStyle>
-            <a:lvl1pPr indent="-298450" lvl="0" marL="457200">
+            <a:lvl1pPr marL="457200" lvl="0" indent="-298450">
               <a:spcBef>
                 <a:spcPts val="0"/>
               </a:spcBef>
@@ -348,7 +361,7 @@
               <a:buChar char="●"/>
               <a:defRPr sz="1100"/>
             </a:lvl1pPr>
-            <a:lvl2pPr indent="-298450" lvl="1" marL="914400">
+            <a:lvl2pPr marL="914400" lvl="1" indent="-298450">
               <a:spcBef>
                 <a:spcPts val="0"/>
               </a:spcBef>
@@ -359,7 +372,7 @@
               <a:buChar char="○"/>
               <a:defRPr sz="1100"/>
             </a:lvl2pPr>
-            <a:lvl3pPr indent="-298450" lvl="2" marL="1371600">
+            <a:lvl3pPr marL="1371600" lvl="2" indent="-298450">
               <a:spcBef>
                 <a:spcPts val="0"/>
               </a:spcBef>
@@ -370,7 +383,7 @@
               <a:buChar char="■"/>
               <a:defRPr sz="1100"/>
             </a:lvl3pPr>
-            <a:lvl4pPr indent="-298450" lvl="3" marL="1828800">
+            <a:lvl4pPr marL="1828800" lvl="3" indent="-298450">
               <a:spcBef>
                 <a:spcPts val="0"/>
               </a:spcBef>
@@ -381,7 +394,7 @@
               <a:buChar char="●"/>
               <a:defRPr sz="1100"/>
             </a:lvl4pPr>
-            <a:lvl5pPr indent="-298450" lvl="4" marL="2286000">
+            <a:lvl5pPr marL="2286000" lvl="4" indent="-298450">
               <a:spcBef>
                 <a:spcPts val="0"/>
               </a:spcBef>
@@ -392,7 +405,7 @@
               <a:buChar char="○"/>
               <a:defRPr sz="1100"/>
             </a:lvl5pPr>
-            <a:lvl6pPr indent="-298450" lvl="5" marL="2743200">
+            <a:lvl6pPr marL="2743200" lvl="5" indent="-298450">
               <a:spcBef>
                 <a:spcPts val="0"/>
               </a:spcBef>
@@ -403,7 +416,7 @@
               <a:buChar char="■"/>
               <a:defRPr sz="1100"/>
             </a:lvl6pPr>
-            <a:lvl7pPr indent="-298450" lvl="6" marL="3200400">
+            <a:lvl7pPr marL="3200400" lvl="6" indent="-298450">
               <a:spcBef>
                 <a:spcPts val="0"/>
               </a:spcBef>
@@ -414,7 +427,7 @@
               <a:buChar char="●"/>
               <a:defRPr sz="1100"/>
             </a:lvl7pPr>
-            <a:lvl8pPr indent="-298450" lvl="7" marL="3657600">
+            <a:lvl8pPr marL="3657600" lvl="7" indent="-298450">
               <a:spcBef>
                 <a:spcPts val="0"/>
               </a:spcBef>
@@ -425,7 +438,7 @@
               <a:buChar char="○"/>
               <a:defRPr sz="1100"/>
             </a:lvl8pPr>
-            <a:lvl9pPr indent="-298450" lvl="8" marL="4114800">
+            <a:lvl9pPr marL="4114800" lvl="8" indent="-298450">
               <a:spcBef>
                 <a:spcPts val="0"/>
               </a:spcBef>
@@ -437,14 +450,16 @@
               <a:defRPr sz="1100"/>
             </a:lvl9pPr>
           </a:lstStyle>
-          <a:p/>
+          <a:p>
+            <a:endParaRPr/>
+          </a:p>
         </p:txBody>
       </p:sp>
     </p:spTree>
   </p:cSld>
-  <p:clrMap accent1="accent1" accent2="accent2" accent3="accent3" accent4="accent4" accent5="accent5" accent6="accent6" bg1="lt1" bg2="dk2" tx1="dk1" tx2="lt2" folHlink="folHlink" hlink="hlink"/>
+  <p:clrMap bg1="lt1" tx1="dk1" bg2="dk2" tx2="lt2" accent1="accent1" accent2="accent2" accent3="accent3" accent4="accent4" accent5="accent5" accent6="accent6" hlink="hlink" folHlink="folHlink"/>
   <p:notesStyle>
-    <a:defPPr lvl="0" marR="0" rtl="0" algn="l">
+    <a:defPPr marR="0" lvl="0" algn="l" rtl="0">
       <a:lnSpc>
         <a:spcPct val="100000"/>
       </a:lnSpc>
@@ -455,7 +470,7 @@
         <a:spcPts val="0"/>
       </a:spcAft>
     </a:defPPr>
-    <a:lvl1pPr lvl="0" marR="0" rtl="0" algn="l">
+    <a:lvl1pPr marR="0" lvl="0" algn="l" rtl="0">
       <a:lnSpc>
         <a:spcPct val="100000"/>
       </a:lnSpc>
@@ -469,7 +484,7 @@
         <a:srgbClr val="000000"/>
       </a:buClr>
       <a:buFont typeface="Arial"/>
-      <a:defRPr b="0" i="0" sz="1400" u="none" cap="none" strike="noStrike">
+      <a:defRPr sz="1400" b="0" i="0" u="none" strike="noStrike" cap="none">
         <a:solidFill>
           <a:srgbClr val="000000"/>
         </a:solidFill>
@@ -479,7 +494,7 @@
         <a:sym typeface="Arial"/>
       </a:defRPr>
     </a:lvl1pPr>
-    <a:lvl2pPr lvl="1" marR="0" rtl="0" algn="l">
+    <a:lvl2pPr marR="0" lvl="1" algn="l" rtl="0">
       <a:lnSpc>
         <a:spcPct val="100000"/>
       </a:lnSpc>
@@ -493,7 +508,7 @@
         <a:srgbClr val="000000"/>
       </a:buClr>
       <a:buFont typeface="Arial"/>
-      <a:defRPr b="0" i="0" sz="1400" u="none" cap="none" strike="noStrike">
+      <a:defRPr sz="1400" b="0" i="0" u="none" strike="noStrike" cap="none">
         <a:solidFill>
           <a:srgbClr val="000000"/>
         </a:solidFill>
@@ -503,7 +518,7 @@
         <a:sym typeface="Arial"/>
       </a:defRPr>
     </a:lvl2pPr>
-    <a:lvl3pPr lvl="2" marR="0" rtl="0" algn="l">
+    <a:lvl3pPr marR="0" lvl="2" algn="l" rtl="0">
       <a:lnSpc>
         <a:spcPct val="100000"/>
       </a:lnSpc>
@@ -517,7 +532,7 @@
         <a:srgbClr val="000000"/>
       </a:buClr>
       <a:buFont typeface="Arial"/>
-      <a:defRPr b="0" i="0" sz="1400" u="none" cap="none" strike="noStrike">
+      <a:defRPr sz="1400" b="0" i="0" u="none" strike="noStrike" cap="none">
         <a:solidFill>
           <a:srgbClr val="000000"/>
         </a:solidFill>
@@ -527,7 +542,7 @@
         <a:sym typeface="Arial"/>
       </a:defRPr>
     </a:lvl3pPr>
-    <a:lvl4pPr lvl="3" marR="0" rtl="0" algn="l">
+    <a:lvl4pPr marR="0" lvl="3" algn="l" rtl="0">
       <a:lnSpc>
         <a:spcPct val="100000"/>
       </a:lnSpc>
@@ -541,7 +556,7 @@
         <a:srgbClr val="000000"/>
       </a:buClr>
       <a:buFont typeface="Arial"/>
-      <a:defRPr b="0" i="0" sz="1400" u="none" cap="none" strike="noStrike">
+      <a:defRPr sz="1400" b="0" i="0" u="none" strike="noStrike" cap="none">
         <a:solidFill>
           <a:srgbClr val="000000"/>
         </a:solidFill>
@@ -551,7 +566,7 @@
         <a:sym typeface="Arial"/>
       </a:defRPr>
     </a:lvl4pPr>
-    <a:lvl5pPr lvl="4" marR="0" rtl="0" algn="l">
+    <a:lvl5pPr marR="0" lvl="4" algn="l" rtl="0">
       <a:lnSpc>
         <a:spcPct val="100000"/>
       </a:lnSpc>
@@ -565,7 +580,7 @@
         <a:srgbClr val="000000"/>
       </a:buClr>
       <a:buFont typeface="Arial"/>
-      <a:defRPr b="0" i="0" sz="1400" u="none" cap="none" strike="noStrike">
+      <a:defRPr sz="1400" b="0" i="0" u="none" strike="noStrike" cap="none">
         <a:solidFill>
           <a:srgbClr val="000000"/>
         </a:solidFill>
@@ -575,7 +590,7 @@
         <a:sym typeface="Arial"/>
       </a:defRPr>
     </a:lvl5pPr>
-    <a:lvl6pPr lvl="5" marR="0" rtl="0" algn="l">
+    <a:lvl6pPr marR="0" lvl="5" algn="l" rtl="0">
       <a:lnSpc>
         <a:spcPct val="100000"/>
       </a:lnSpc>
@@ -589,7 +604,7 @@
         <a:srgbClr val="000000"/>
       </a:buClr>
       <a:buFont typeface="Arial"/>
-      <a:defRPr b="0" i="0" sz="1400" u="none" cap="none" strike="noStrike">
+      <a:defRPr sz="1400" b="0" i="0" u="none" strike="noStrike" cap="none">
         <a:solidFill>
           <a:srgbClr val="000000"/>
         </a:solidFill>
@@ -599,7 +614,7 @@
         <a:sym typeface="Arial"/>
       </a:defRPr>
     </a:lvl6pPr>
-    <a:lvl7pPr lvl="6" marR="0" rtl="0" algn="l">
+    <a:lvl7pPr marR="0" lvl="6" algn="l" rtl="0">
       <a:lnSpc>
         <a:spcPct val="100000"/>
       </a:lnSpc>
@@ -613,7 +628,7 @@
         <a:srgbClr val="000000"/>
       </a:buClr>
       <a:buFont typeface="Arial"/>
-      <a:defRPr b="0" i="0" sz="1400" u="none" cap="none" strike="noStrike">
+      <a:defRPr sz="1400" b="0" i="0" u="none" strike="noStrike" cap="none">
         <a:solidFill>
           <a:srgbClr val="000000"/>
         </a:solidFill>
@@ -623,7 +638,7 @@
         <a:sym typeface="Arial"/>
       </a:defRPr>
     </a:lvl7pPr>
-    <a:lvl8pPr lvl="7" marR="0" rtl="0" algn="l">
+    <a:lvl8pPr marR="0" lvl="7" algn="l" rtl="0">
       <a:lnSpc>
         <a:spcPct val="100000"/>
       </a:lnSpc>
@@ -637,7 +652,7 @@
         <a:srgbClr val="000000"/>
       </a:buClr>
       <a:buFont typeface="Arial"/>
-      <a:defRPr b="0" i="0" sz="1400" u="none" cap="none" strike="noStrike">
+      <a:defRPr sz="1400" b="0" i="0" u="none" strike="noStrike" cap="none">
         <a:solidFill>
           <a:srgbClr val="000000"/>
         </a:solidFill>
@@ -647,7 +662,7 @@
         <a:sym typeface="Arial"/>
       </a:defRPr>
     </a:lvl8pPr>
-    <a:lvl9pPr lvl="8" marR="0" rtl="0" algn="l">
+    <a:lvl9pPr marR="0" lvl="8" algn="l" rtl="0">
       <a:lnSpc>
         <a:spcPct val="100000"/>
       </a:lnSpc>
@@ -661,7 +676,7 @@
         <a:srgbClr val="000000"/>
       </a:buClr>
       <a:buFont typeface="Arial"/>
-      <a:defRPr b="0" i="0" sz="1400" u="none" cap="none" strike="noStrike">
+      <a:defRPr sz="1400" b="0" i="0" u="none" strike="noStrike" cap="none">
         <a:solidFill>
           <a:srgbClr val="000000"/>
         </a:solidFill>
@@ -676,11 +691,11 @@
 </file>
 
 <file path=ppt/notesSlides/notesSlide1.xml><?xml version="1.0" encoding="utf-8"?>
-<p:notes xmlns:a="http://schemas.openxmlformats.org/drawingml/2006/main" xmlns:r="http://schemas.openxmlformats.org/officeDocument/2006/relationships" xmlns:mc="http://schemas.openxmlformats.org/markup-compatibility/2006" xmlns:mv="urn:schemas-microsoft-com:mac:vml" xmlns:p="http://schemas.openxmlformats.org/presentationml/2006/main" xmlns:c="http://schemas.openxmlformats.org/drawingml/2006/chart" xmlns:dgm="http://schemas.openxmlformats.org/drawingml/2006/diagram" xmlns:o="urn:schemas-microsoft-com:office:office" xmlns:v="urn:schemas-microsoft-com:vml" xmlns:pvml="urn:schemas-microsoft-com:office:powerpoint" xmlns:com="http://schemas.openxmlformats.org/drawingml/2006/compatibility" xmlns:p14="http://schemas.microsoft.com/office/powerpoint/2010/main" xmlns:p15="http://schemas.microsoft.com/office/powerpoint/2012/main" xmlns:ahyp="http://schemas.microsoft.com/office/drawing/2018/hyperlinkcolor" showMasterPhAnim="0" showMasterSp="0">
+<p:notes xmlns:a="http://schemas.openxmlformats.org/drawingml/2006/main" xmlns:r="http://schemas.openxmlformats.org/officeDocument/2006/relationships" xmlns:p="http://schemas.openxmlformats.org/presentationml/2006/main" showMasterSp="0" showMasterPhAnim="0">
   <p:cSld>
     <p:spTree>
       <p:nvGrpSpPr>
-        <p:cNvPr id="9" name="Shape 9"/>
+        <p:cNvPr id="1" name="Shape 9"/>
         <p:cNvGrpSpPr/>
         <p:nvPr/>
       </p:nvGrpSpPr>
@@ -695,9 +710,11 @@
       <p:sp>
         <p:nvSpPr>
           <p:cNvPr id="10" name="Google Shape;10;p1:notes"/>
-          <p:cNvSpPr txBox="1"/>
+          <p:cNvSpPr txBox="1">
+            <a:spLocks noGrp="1"/>
+          </p:cNvSpPr>
           <p:nvPr>
-            <p:ph idx="1" type="body"/>
+            <p:ph type="body" idx="1"/>
           </p:nvPr>
         </p:nvSpPr>
         <p:spPr>
@@ -710,12 +727,12 @@
           </a:prstGeom>
         </p:spPr>
         <p:txBody>
-          <a:bodyPr anchorCtr="0" anchor="t" bIns="91425" lIns="91425" spcFirstLastPara="1" rIns="91425" wrap="square" tIns="91425">
+          <a:bodyPr spcFirstLastPara="1" wrap="square" lIns="91425" tIns="91425" rIns="91425" bIns="91425" anchor="t" anchorCtr="0">
             <a:noAutofit/>
           </a:bodyPr>
           <a:lstStyle/>
           <a:p>
-            <a:pPr indent="0" lvl="0" marL="0" rtl="0" algn="l">
+            <a:pPr marL="0" lvl="0" indent="0" algn="l" rtl="0">
               <a:spcBef>
                 <a:spcPts val="0"/>
               </a:spcBef>
@@ -724,9 +741,6 @@
               </a:spcAft>
               <a:buNone/>
             </a:pPr>
-            <a:r>
-              <a:t/>
-            </a:r>
             <a:endParaRPr/>
           </a:p>
         </p:txBody>
@@ -734,20 +748,26 @@
       <p:sp>
         <p:nvSpPr>
           <p:cNvPr id="11" name="Google Shape;11;p1:notes"/>
-          <p:cNvSpPr/>
+          <p:cNvSpPr>
+            <a:spLocks noGrp="1" noRot="1" noChangeAspect="1"/>
+          </p:cNvSpPr>
           <p:nvPr>
-            <p:ph idx="2" type="sldImg"/>
+            <p:ph type="sldImg" idx="2"/>
           </p:nvPr>
         </p:nvSpPr>
         <p:spPr>
           <a:xfrm>
-            <a:off x="1143225" y="685800"/>
-            <a:ext cx="4572225" cy="3429000"/>
+            <a:off x="381000" y="685800"/>
+            <a:ext cx="6096000" cy="3429000"/>
           </a:xfrm>
           <a:custGeom>
-            <a:rect b="b" l="l" r="r" t="t"/>
+            <a:avLst/>
+            <a:gdLst/>
+            <a:ahLst/>
+            <a:cxnLst/>
+            <a:rect l="l" t="t" r="r" b="b"/>
             <a:pathLst>
-              <a:path extrusionOk="0" h="120000" w="120000">
+              <a:path w="120000" h="120000" extrusionOk="0">
                 <a:moveTo>
                   <a:pt x="0" y="0"/>
                 </a:moveTo>
@@ -775,11 +795,11 @@
 </file>
 
 <file path=ppt/slideLayouts/slideLayout1.xml><?xml version="1.0" encoding="utf-8"?>
-<p:sldLayout xmlns:a="http://schemas.openxmlformats.org/drawingml/2006/main" xmlns:r="http://schemas.openxmlformats.org/officeDocument/2006/relationships" xmlns:mc="http://schemas.openxmlformats.org/markup-compatibility/2006" xmlns:mv="urn:schemas-microsoft-com:mac:vml" xmlns:p="http://schemas.openxmlformats.org/presentationml/2006/main" xmlns:c="http://schemas.openxmlformats.org/drawingml/2006/chart" xmlns:dgm="http://schemas.openxmlformats.org/drawingml/2006/diagram" xmlns:o="urn:schemas-microsoft-com:office:office" xmlns:v="urn:schemas-microsoft-com:vml" xmlns:pvml="urn:schemas-microsoft-com:office:powerpoint" xmlns:com="http://schemas.openxmlformats.org/drawingml/2006/compatibility" xmlns:p14="http://schemas.microsoft.com/office/powerpoint/2010/main" xmlns:p15="http://schemas.microsoft.com/office/powerpoint/2012/main" xmlns:ahyp="http://schemas.microsoft.com/office/drawing/2018/hyperlinkcolor" matchingName="Slide de Título" type="title">
+<p:sldLayout xmlns:a="http://schemas.openxmlformats.org/drawingml/2006/main" xmlns:r="http://schemas.openxmlformats.org/officeDocument/2006/relationships" xmlns:p="http://schemas.openxmlformats.org/presentationml/2006/main" matchingName="Slide de Título" type="title">
   <p:cSld name="TITLE">
     <p:spTree>
       <p:nvGrpSpPr>
-        <p:cNvPr id="6" name="Shape 6"/>
+        <p:cNvPr id="1" name="Shape 6"/>
         <p:cNvGrpSpPr/>
         <p:nvPr/>
       </p:nvGrpSpPr>
@@ -794,7 +814,9 @@
       <p:sp>
         <p:nvSpPr>
           <p:cNvPr id="7" name="Google Shape;7;p3"/>
-          <p:cNvSpPr txBox="1"/>
+          <p:cNvSpPr txBox="1">
+            <a:spLocks noGrp="1"/>
+          </p:cNvSpPr>
           <p:nvPr>
             <p:ph type="ctrTitle"/>
           </p:nvPr>
@@ -813,11 +835,11 @@
           </a:ln>
         </p:spPr>
         <p:txBody>
-          <a:bodyPr anchorCtr="0" anchor="b" bIns="45700" lIns="91425" spcFirstLastPara="1" rIns="91425" wrap="square" tIns="45700">
+          <a:bodyPr spcFirstLastPara="1" wrap="square" lIns="91425" tIns="45700" rIns="91425" bIns="45700" anchor="b" anchorCtr="0">
             <a:noAutofit/>
           </a:bodyPr>
           <a:lstStyle>
-            <a:lvl1pPr lvl="0" marR="0" rtl="0" algn="ctr">
+            <a:lvl1pPr marR="0" lvl="0" algn="ctr" rtl="0">
               <a:lnSpc>
                 <a:spcPct val="90000"/>
               </a:lnSpc>
@@ -833,7 +855,7 @@
               <a:buSzPts val="6000"/>
               <a:buFont typeface="Calibri"/>
               <a:buNone/>
-              <a:defRPr b="0" i="0" sz="6000" u="none" cap="none" strike="noStrike">
+              <a:defRPr sz="6000" b="0" i="0" u="none" strike="noStrike" cap="none">
                 <a:solidFill>
                   <a:schemeClr val="dk1"/>
                 </a:solidFill>
@@ -932,15 +954,19 @@
               <a:defRPr sz="1800"/>
             </a:lvl9pPr>
           </a:lstStyle>
-          <a:p/>
+          <a:p>
+            <a:endParaRPr/>
+          </a:p>
         </p:txBody>
       </p:sp>
       <p:sp>
         <p:nvSpPr>
           <p:cNvPr id="8" name="Google Shape;8;p3"/>
-          <p:cNvSpPr txBox="1"/>
+          <p:cNvSpPr txBox="1">
+            <a:spLocks noGrp="1"/>
+          </p:cNvSpPr>
           <p:nvPr>
-            <p:ph idx="1" type="subTitle"/>
+            <p:ph type="subTitle" idx="1"/>
           </p:nvPr>
         </p:nvSpPr>
         <p:spPr>
@@ -957,11 +983,11 @@
           </a:ln>
         </p:spPr>
         <p:txBody>
-          <a:bodyPr anchorCtr="0" anchor="t" bIns="45700" lIns="91425" spcFirstLastPara="1" rIns="91425" wrap="square" tIns="45700">
+          <a:bodyPr spcFirstLastPara="1" wrap="square" lIns="91425" tIns="45700" rIns="91425" bIns="45700" anchor="t" anchorCtr="0">
             <a:noAutofit/>
           </a:bodyPr>
           <a:lstStyle>
-            <a:lvl1pPr lvl="0" marR="0" rtl="0" algn="ctr">
+            <a:lvl1pPr marR="0" lvl="0" algn="ctr" rtl="0">
               <a:lnSpc>
                 <a:spcPct val="90000"/>
               </a:lnSpc>
@@ -977,7 +1003,7 @@
               <a:buSzPts val="2400"/>
               <a:buFont typeface="Arial"/>
               <a:buNone/>
-              <a:defRPr b="0" i="0" sz="2400" u="none" cap="none" strike="noStrike">
+              <a:defRPr sz="2400" b="0" i="0" u="none" strike="noStrike" cap="none">
                 <a:solidFill>
                   <a:schemeClr val="dk1"/>
                 </a:solidFill>
@@ -987,7 +1013,7 @@
                 <a:sym typeface="Calibri"/>
               </a:defRPr>
             </a:lvl1pPr>
-            <a:lvl2pPr lvl="1" marR="0" rtl="0" algn="ctr">
+            <a:lvl2pPr marR="0" lvl="1" algn="ctr" rtl="0">
               <a:lnSpc>
                 <a:spcPct val="90000"/>
               </a:lnSpc>
@@ -1003,7 +1029,7 @@
               <a:buSzPts val="2000"/>
               <a:buFont typeface="Arial"/>
               <a:buNone/>
-              <a:defRPr b="0" i="0" sz="2000" u="none" cap="none" strike="noStrike">
+              <a:defRPr sz="2000" b="0" i="0" u="none" strike="noStrike" cap="none">
                 <a:solidFill>
                   <a:schemeClr val="dk1"/>
                 </a:solidFill>
@@ -1013,7 +1039,7 @@
                 <a:sym typeface="Calibri"/>
               </a:defRPr>
             </a:lvl2pPr>
-            <a:lvl3pPr lvl="2" marR="0" rtl="0" algn="ctr">
+            <a:lvl3pPr marR="0" lvl="2" algn="ctr" rtl="0">
               <a:lnSpc>
                 <a:spcPct val="90000"/>
               </a:lnSpc>
@@ -1029,7 +1055,7 @@
               <a:buSzPts val="1800"/>
               <a:buFont typeface="Arial"/>
               <a:buNone/>
-              <a:defRPr b="0" i="0" sz="1800" u="none" cap="none" strike="noStrike">
+              <a:defRPr sz="1800" b="0" i="0" u="none" strike="noStrike" cap="none">
                 <a:solidFill>
                   <a:schemeClr val="dk1"/>
                 </a:solidFill>
@@ -1039,7 +1065,7 @@
                 <a:sym typeface="Calibri"/>
               </a:defRPr>
             </a:lvl3pPr>
-            <a:lvl4pPr lvl="3" marR="0" rtl="0" algn="ctr">
+            <a:lvl4pPr marR="0" lvl="3" algn="ctr" rtl="0">
               <a:lnSpc>
                 <a:spcPct val="90000"/>
               </a:lnSpc>
@@ -1055,7 +1081,7 @@
               <a:buSzPts val="1600"/>
               <a:buFont typeface="Arial"/>
               <a:buNone/>
-              <a:defRPr b="0" i="0" sz="1600" u="none" cap="none" strike="noStrike">
+              <a:defRPr sz="1600" b="0" i="0" u="none" strike="noStrike" cap="none">
                 <a:solidFill>
                   <a:schemeClr val="dk1"/>
                 </a:solidFill>
@@ -1065,7 +1091,7 @@
                 <a:sym typeface="Calibri"/>
               </a:defRPr>
             </a:lvl4pPr>
-            <a:lvl5pPr lvl="4" marR="0" rtl="0" algn="ctr">
+            <a:lvl5pPr marR="0" lvl="4" algn="ctr" rtl="0">
               <a:lnSpc>
                 <a:spcPct val="90000"/>
               </a:lnSpc>
@@ -1081,7 +1107,7 @@
               <a:buSzPts val="1600"/>
               <a:buFont typeface="Arial"/>
               <a:buNone/>
-              <a:defRPr b="0" i="0" sz="1600" u="none" cap="none" strike="noStrike">
+              <a:defRPr sz="1600" b="0" i="0" u="none" strike="noStrike" cap="none">
                 <a:solidFill>
                   <a:schemeClr val="dk1"/>
                 </a:solidFill>
@@ -1091,7 +1117,7 @@
                 <a:sym typeface="Calibri"/>
               </a:defRPr>
             </a:lvl5pPr>
-            <a:lvl6pPr lvl="5" marR="0" rtl="0" algn="ctr">
+            <a:lvl6pPr marR="0" lvl="5" algn="ctr" rtl="0">
               <a:lnSpc>
                 <a:spcPct val="90000"/>
               </a:lnSpc>
@@ -1107,7 +1133,7 @@
               <a:buSzPts val="1600"/>
               <a:buFont typeface="Arial"/>
               <a:buNone/>
-              <a:defRPr b="0" i="0" sz="1600" u="none" cap="none" strike="noStrike">
+              <a:defRPr sz="1600" b="0" i="0" u="none" strike="noStrike" cap="none">
                 <a:solidFill>
                   <a:schemeClr val="dk1"/>
                 </a:solidFill>
@@ -1117,7 +1143,7 @@
                 <a:sym typeface="Calibri"/>
               </a:defRPr>
             </a:lvl6pPr>
-            <a:lvl7pPr lvl="6" marR="0" rtl="0" algn="ctr">
+            <a:lvl7pPr marR="0" lvl="6" algn="ctr" rtl="0">
               <a:lnSpc>
                 <a:spcPct val="90000"/>
               </a:lnSpc>
@@ -1133,7 +1159,7 @@
               <a:buSzPts val="1600"/>
               <a:buFont typeface="Arial"/>
               <a:buNone/>
-              <a:defRPr b="0" i="0" sz="1600" u="none" cap="none" strike="noStrike">
+              <a:defRPr sz="1600" b="0" i="0" u="none" strike="noStrike" cap="none">
                 <a:solidFill>
                   <a:schemeClr val="dk1"/>
                 </a:solidFill>
@@ -1143,7 +1169,7 @@
                 <a:sym typeface="Calibri"/>
               </a:defRPr>
             </a:lvl7pPr>
-            <a:lvl8pPr lvl="7" marR="0" rtl="0" algn="ctr">
+            <a:lvl8pPr marR="0" lvl="7" algn="ctr" rtl="0">
               <a:lnSpc>
                 <a:spcPct val="90000"/>
               </a:lnSpc>
@@ -1159,7 +1185,7 @@
               <a:buSzPts val="1600"/>
               <a:buFont typeface="Arial"/>
               <a:buNone/>
-              <a:defRPr b="0" i="0" sz="1600" u="none" cap="none" strike="noStrike">
+              <a:defRPr sz="1600" b="0" i="0" u="none" strike="noStrike" cap="none">
                 <a:solidFill>
                   <a:schemeClr val="dk1"/>
                 </a:solidFill>
@@ -1169,7 +1195,7 @@
                 <a:sym typeface="Calibri"/>
               </a:defRPr>
             </a:lvl8pPr>
-            <a:lvl9pPr lvl="8" marR="0" rtl="0" algn="ctr">
+            <a:lvl9pPr marR="0" lvl="8" algn="ctr" rtl="0">
               <a:lnSpc>
                 <a:spcPct val="90000"/>
               </a:lnSpc>
@@ -1185,7 +1211,7 @@
               <a:buSzPts val="1600"/>
               <a:buFont typeface="Arial"/>
               <a:buNone/>
-              <a:defRPr b="0" i="0" sz="1600" u="none" cap="none" strike="noStrike">
+              <a:defRPr sz="1600" b="0" i="0" u="none" strike="noStrike" cap="none">
                 <a:solidFill>
                   <a:schemeClr val="dk1"/>
                 </a:solidFill>
@@ -1196,7 +1222,9 @@
               </a:defRPr>
             </a:lvl9pPr>
           </a:lstStyle>
-          <a:p/>
+          <a:p>
+            <a:endParaRPr/>
+          </a:p>
         </p:txBody>
       </p:sp>
     </p:spTree>
@@ -1208,18 +1236,19 @@
 </file>
 
 <file path=ppt/slideMasters/slideMaster1.xml><?xml version="1.0" encoding="utf-8"?>
-<p:sldMaster xmlns:a="http://schemas.openxmlformats.org/drawingml/2006/main" xmlns:r="http://schemas.openxmlformats.org/officeDocument/2006/relationships" xmlns:mc="http://schemas.openxmlformats.org/markup-compatibility/2006" xmlns:mv="urn:schemas-microsoft-com:mac:vml" xmlns:p="http://schemas.openxmlformats.org/presentationml/2006/main" xmlns:c="http://schemas.openxmlformats.org/drawingml/2006/chart" xmlns:dgm="http://schemas.openxmlformats.org/drawingml/2006/diagram" xmlns:o="urn:schemas-microsoft-com:office:office" xmlns:v="urn:schemas-microsoft-com:vml" xmlns:pvml="urn:schemas-microsoft-com:office:powerpoint" xmlns:com="http://schemas.openxmlformats.org/drawingml/2006/compatibility" xmlns:p14="http://schemas.microsoft.com/office/powerpoint/2010/main" xmlns:p15="http://schemas.microsoft.com/office/powerpoint/2012/main" xmlns:ahyp="http://schemas.microsoft.com/office/drawing/2018/hyperlinkcolor">
+<p:sldMaster xmlns:a="http://schemas.openxmlformats.org/drawingml/2006/main" xmlns:r="http://schemas.openxmlformats.org/officeDocument/2006/relationships" xmlns:p="http://schemas.openxmlformats.org/presentationml/2006/main">
   <p:cSld>
     <p:bg>
       <p:bgPr>
         <a:solidFill>
           <a:schemeClr val="lt1"/>
         </a:solidFill>
+        <a:effectLst/>
       </p:bgPr>
     </p:bg>
     <p:spTree>
       <p:nvGrpSpPr>
-        <p:cNvPr id="5" name="Shape 5"/>
+        <p:cNvPr id="1" name="Shape 5"/>
         <p:cNvGrpSpPr/>
         <p:nvPr/>
       </p:nvGrpSpPr>
@@ -1233,14 +1262,14 @@
       </p:grpSpPr>
     </p:spTree>
   </p:cSld>
-  <p:clrMap accent1="accent1" accent2="accent2" accent3="accent3" accent4="accent4" accent5="accent5" accent6="accent6" bg1="lt1" bg2="dk2" tx1="dk1" tx2="lt2" folHlink="folHlink" hlink="hlink"/>
+  <p:clrMap bg1="lt1" tx1="dk1" bg2="dk2" tx2="lt2" accent1="accent1" accent2="accent2" accent3="accent3" accent4="accent4" accent5="accent5" accent6="accent6" hlink="hlink" folHlink="folHlink"/>
   <p:sldLayoutIdLst>
     <p:sldLayoutId id="2147483649" r:id="rId1"/>
   </p:sldLayoutIdLst>
-  <p:hf dt="0" ftr="0" hdr="0" sldNum="0"/>
+  <p:hf sldNum="0" hdr="0" ftr="0" dt="0"/>
   <p:txStyles>
     <p:titleStyle>
-      <a:defPPr lvl="0" marR="0" rtl="0" algn="l">
+      <a:defPPr marR="0" lvl="0" algn="l" rtl="0">
         <a:lnSpc>
           <a:spcPct val="100000"/>
         </a:lnSpc>
@@ -1251,7 +1280,7 @@
           <a:spcPts val="0"/>
         </a:spcAft>
       </a:defPPr>
-      <a:lvl1pPr lvl="0" marR="0" rtl="0" algn="l">
+      <a:lvl1pPr marR="0" lvl="0" algn="l" rtl="0">
         <a:lnSpc>
           <a:spcPct val="100000"/>
         </a:lnSpc>
@@ -1265,7 +1294,7 @@
           <a:srgbClr val="000000"/>
         </a:buClr>
         <a:buFont typeface="Arial"/>
-        <a:defRPr b="0" i="0" sz="1400" u="none" cap="none" strike="noStrike">
+        <a:defRPr sz="1400" b="0" i="0" u="none" strike="noStrike" cap="none">
           <a:solidFill>
             <a:srgbClr val="000000"/>
           </a:solidFill>
@@ -1275,7 +1304,7 @@
           <a:sym typeface="Arial"/>
         </a:defRPr>
       </a:lvl1pPr>
-      <a:lvl2pPr lvl="1" marR="0" rtl="0" algn="l">
+      <a:lvl2pPr marR="0" lvl="1" algn="l" rtl="0">
         <a:lnSpc>
           <a:spcPct val="100000"/>
         </a:lnSpc>
@@ -1289,7 +1318,7 @@
           <a:srgbClr val="000000"/>
         </a:buClr>
         <a:buFont typeface="Arial"/>
-        <a:defRPr b="0" i="0" sz="1400" u="none" cap="none" strike="noStrike">
+        <a:defRPr sz="1400" b="0" i="0" u="none" strike="noStrike" cap="none">
           <a:solidFill>
             <a:srgbClr val="000000"/>
           </a:solidFill>
@@ -1299,7 +1328,7 @@
           <a:sym typeface="Arial"/>
         </a:defRPr>
       </a:lvl2pPr>
-      <a:lvl3pPr lvl="2" marR="0" rtl="0" algn="l">
+      <a:lvl3pPr marR="0" lvl="2" algn="l" rtl="0">
         <a:lnSpc>
           <a:spcPct val="100000"/>
         </a:lnSpc>
@@ -1313,7 +1342,7 @@
           <a:srgbClr val="000000"/>
         </a:buClr>
         <a:buFont typeface="Arial"/>
-        <a:defRPr b="0" i="0" sz="1400" u="none" cap="none" strike="noStrike">
+        <a:defRPr sz="1400" b="0" i="0" u="none" strike="noStrike" cap="none">
           <a:solidFill>
             <a:srgbClr val="000000"/>
           </a:solidFill>
@@ -1323,7 +1352,7 @@
           <a:sym typeface="Arial"/>
         </a:defRPr>
       </a:lvl3pPr>
-      <a:lvl4pPr lvl="3" marR="0" rtl="0" algn="l">
+      <a:lvl4pPr marR="0" lvl="3" algn="l" rtl="0">
         <a:lnSpc>
           <a:spcPct val="100000"/>
         </a:lnSpc>
@@ -1337,7 +1366,7 @@
           <a:srgbClr val="000000"/>
         </a:buClr>
         <a:buFont typeface="Arial"/>
-        <a:defRPr b="0" i="0" sz="1400" u="none" cap="none" strike="noStrike">
+        <a:defRPr sz="1400" b="0" i="0" u="none" strike="noStrike" cap="none">
           <a:solidFill>
             <a:srgbClr val="000000"/>
           </a:solidFill>
@@ -1347,7 +1376,7 @@
           <a:sym typeface="Arial"/>
         </a:defRPr>
       </a:lvl4pPr>
-      <a:lvl5pPr lvl="4" marR="0" rtl="0" algn="l">
+      <a:lvl5pPr marR="0" lvl="4" algn="l" rtl="0">
         <a:lnSpc>
           <a:spcPct val="100000"/>
         </a:lnSpc>
@@ -1361,7 +1390,7 @@
           <a:srgbClr val="000000"/>
         </a:buClr>
         <a:buFont typeface="Arial"/>
-        <a:defRPr b="0" i="0" sz="1400" u="none" cap="none" strike="noStrike">
+        <a:defRPr sz="1400" b="0" i="0" u="none" strike="noStrike" cap="none">
           <a:solidFill>
             <a:srgbClr val="000000"/>
           </a:solidFill>
@@ -1371,7 +1400,7 @@
           <a:sym typeface="Arial"/>
         </a:defRPr>
       </a:lvl5pPr>
-      <a:lvl6pPr lvl="5" marR="0" rtl="0" algn="l">
+      <a:lvl6pPr marR="0" lvl="5" algn="l" rtl="0">
         <a:lnSpc>
           <a:spcPct val="100000"/>
         </a:lnSpc>
@@ -1385,7 +1414,7 @@
           <a:srgbClr val="000000"/>
         </a:buClr>
         <a:buFont typeface="Arial"/>
-        <a:defRPr b="0" i="0" sz="1400" u="none" cap="none" strike="noStrike">
+        <a:defRPr sz="1400" b="0" i="0" u="none" strike="noStrike" cap="none">
           <a:solidFill>
             <a:srgbClr val="000000"/>
           </a:solidFill>
@@ -1395,7 +1424,7 @@
           <a:sym typeface="Arial"/>
         </a:defRPr>
       </a:lvl6pPr>
-      <a:lvl7pPr lvl="6" marR="0" rtl="0" algn="l">
+      <a:lvl7pPr marR="0" lvl="6" algn="l" rtl="0">
         <a:lnSpc>
           <a:spcPct val="100000"/>
         </a:lnSpc>
@@ -1409,7 +1438,7 @@
           <a:srgbClr val="000000"/>
         </a:buClr>
         <a:buFont typeface="Arial"/>
-        <a:defRPr b="0" i="0" sz="1400" u="none" cap="none" strike="noStrike">
+        <a:defRPr sz="1400" b="0" i="0" u="none" strike="noStrike" cap="none">
           <a:solidFill>
             <a:srgbClr val="000000"/>
           </a:solidFill>
@@ -1419,7 +1448,7 @@
           <a:sym typeface="Arial"/>
         </a:defRPr>
       </a:lvl7pPr>
-      <a:lvl8pPr lvl="7" marR="0" rtl="0" algn="l">
+      <a:lvl8pPr marR="0" lvl="7" algn="l" rtl="0">
         <a:lnSpc>
           <a:spcPct val="100000"/>
         </a:lnSpc>
@@ -1433,7 +1462,7 @@
           <a:srgbClr val="000000"/>
         </a:buClr>
         <a:buFont typeface="Arial"/>
-        <a:defRPr b="0" i="0" sz="1400" u="none" cap="none" strike="noStrike">
+        <a:defRPr sz="1400" b="0" i="0" u="none" strike="noStrike" cap="none">
           <a:solidFill>
             <a:srgbClr val="000000"/>
           </a:solidFill>
@@ -1443,7 +1472,7 @@
           <a:sym typeface="Arial"/>
         </a:defRPr>
       </a:lvl8pPr>
-      <a:lvl9pPr lvl="8" marR="0" rtl="0" algn="l">
+      <a:lvl9pPr marR="0" lvl="8" algn="l" rtl="0">
         <a:lnSpc>
           <a:spcPct val="100000"/>
         </a:lnSpc>
@@ -1457,7 +1486,7 @@
           <a:srgbClr val="000000"/>
         </a:buClr>
         <a:buFont typeface="Arial"/>
-        <a:defRPr b="0" i="0" sz="1400" u="none" cap="none" strike="noStrike">
+        <a:defRPr sz="1400" b="0" i="0" u="none" strike="noStrike" cap="none">
           <a:solidFill>
             <a:srgbClr val="000000"/>
           </a:solidFill>
@@ -1469,7 +1498,7 @@
       </a:lvl9pPr>
     </p:titleStyle>
     <p:bodyStyle>
-      <a:defPPr lvl="0" marR="0" rtl="0" algn="l">
+      <a:defPPr marR="0" lvl="0" algn="l" rtl="0">
         <a:lnSpc>
           <a:spcPct val="100000"/>
         </a:lnSpc>
@@ -1480,7 +1509,7 @@
           <a:spcPts val="0"/>
         </a:spcAft>
       </a:defPPr>
-      <a:lvl1pPr lvl="0" marR="0" rtl="0" algn="l">
+      <a:lvl1pPr marR="0" lvl="0" algn="l" rtl="0">
         <a:lnSpc>
           <a:spcPct val="100000"/>
         </a:lnSpc>
@@ -1494,7 +1523,7 @@
           <a:srgbClr val="000000"/>
         </a:buClr>
         <a:buFont typeface="Arial"/>
-        <a:defRPr b="0" i="0" sz="1400" u="none" cap="none" strike="noStrike">
+        <a:defRPr sz="1400" b="0" i="0" u="none" strike="noStrike" cap="none">
           <a:solidFill>
             <a:srgbClr val="000000"/>
           </a:solidFill>
@@ -1504,7 +1533,7 @@
           <a:sym typeface="Arial"/>
         </a:defRPr>
       </a:lvl1pPr>
-      <a:lvl2pPr lvl="1" marR="0" rtl="0" algn="l">
+      <a:lvl2pPr marR="0" lvl="1" algn="l" rtl="0">
         <a:lnSpc>
           <a:spcPct val="100000"/>
         </a:lnSpc>
@@ -1518,7 +1547,7 @@
           <a:srgbClr val="000000"/>
         </a:buClr>
         <a:buFont typeface="Arial"/>
-        <a:defRPr b="0" i="0" sz="1400" u="none" cap="none" strike="noStrike">
+        <a:defRPr sz="1400" b="0" i="0" u="none" strike="noStrike" cap="none">
           <a:solidFill>
             <a:srgbClr val="000000"/>
           </a:solidFill>
@@ -1528,7 +1557,7 @@
           <a:sym typeface="Arial"/>
         </a:defRPr>
       </a:lvl2pPr>
-      <a:lvl3pPr lvl="2" marR="0" rtl="0" algn="l">
+      <a:lvl3pPr marR="0" lvl="2" algn="l" rtl="0">
         <a:lnSpc>
           <a:spcPct val="100000"/>
         </a:lnSpc>
@@ -1542,7 +1571,7 @@
           <a:srgbClr val="000000"/>
         </a:buClr>
         <a:buFont typeface="Arial"/>
-        <a:defRPr b="0" i="0" sz="1400" u="none" cap="none" strike="noStrike">
+        <a:defRPr sz="1400" b="0" i="0" u="none" strike="noStrike" cap="none">
           <a:solidFill>
             <a:srgbClr val="000000"/>
           </a:solidFill>
@@ -1552,7 +1581,7 @@
           <a:sym typeface="Arial"/>
         </a:defRPr>
       </a:lvl3pPr>
-      <a:lvl4pPr lvl="3" marR="0" rtl="0" algn="l">
+      <a:lvl4pPr marR="0" lvl="3" algn="l" rtl="0">
         <a:lnSpc>
           <a:spcPct val="100000"/>
         </a:lnSpc>
@@ -1566,7 +1595,7 @@
           <a:srgbClr val="000000"/>
         </a:buClr>
         <a:buFont typeface="Arial"/>
-        <a:defRPr b="0" i="0" sz="1400" u="none" cap="none" strike="noStrike">
+        <a:defRPr sz="1400" b="0" i="0" u="none" strike="noStrike" cap="none">
           <a:solidFill>
             <a:srgbClr val="000000"/>
           </a:solidFill>
@@ -1576,7 +1605,7 @@
           <a:sym typeface="Arial"/>
         </a:defRPr>
       </a:lvl4pPr>
-      <a:lvl5pPr lvl="4" marR="0" rtl="0" algn="l">
+      <a:lvl5pPr marR="0" lvl="4" algn="l" rtl="0">
         <a:lnSpc>
           <a:spcPct val="100000"/>
         </a:lnSpc>
@@ -1590,7 +1619,7 @@
           <a:srgbClr val="000000"/>
         </a:buClr>
         <a:buFont typeface="Arial"/>
-        <a:defRPr b="0" i="0" sz="1400" u="none" cap="none" strike="noStrike">
+        <a:defRPr sz="1400" b="0" i="0" u="none" strike="noStrike" cap="none">
           <a:solidFill>
             <a:srgbClr val="000000"/>
           </a:solidFill>
@@ -1600,7 +1629,7 @@
           <a:sym typeface="Arial"/>
         </a:defRPr>
       </a:lvl5pPr>
-      <a:lvl6pPr lvl="5" marR="0" rtl="0" algn="l">
+      <a:lvl6pPr marR="0" lvl="5" algn="l" rtl="0">
         <a:lnSpc>
           <a:spcPct val="100000"/>
         </a:lnSpc>
@@ -1614,7 +1643,7 @@
           <a:srgbClr val="000000"/>
         </a:buClr>
         <a:buFont typeface="Arial"/>
-        <a:defRPr b="0" i="0" sz="1400" u="none" cap="none" strike="noStrike">
+        <a:defRPr sz="1400" b="0" i="0" u="none" strike="noStrike" cap="none">
           <a:solidFill>
             <a:srgbClr val="000000"/>
           </a:solidFill>
@@ -1624,7 +1653,7 @@
           <a:sym typeface="Arial"/>
         </a:defRPr>
       </a:lvl6pPr>
-      <a:lvl7pPr lvl="6" marR="0" rtl="0" algn="l">
+      <a:lvl7pPr marR="0" lvl="6" algn="l" rtl="0">
         <a:lnSpc>
           <a:spcPct val="100000"/>
         </a:lnSpc>
@@ -1638,7 +1667,7 @@
           <a:srgbClr val="000000"/>
         </a:buClr>
         <a:buFont typeface="Arial"/>
-        <a:defRPr b="0" i="0" sz="1400" u="none" cap="none" strike="noStrike">
+        <a:defRPr sz="1400" b="0" i="0" u="none" strike="noStrike" cap="none">
           <a:solidFill>
             <a:srgbClr val="000000"/>
           </a:solidFill>
@@ -1648,7 +1677,7 @@
           <a:sym typeface="Arial"/>
         </a:defRPr>
       </a:lvl7pPr>
-      <a:lvl8pPr lvl="7" marR="0" rtl="0" algn="l">
+      <a:lvl8pPr marR="0" lvl="7" algn="l" rtl="0">
         <a:lnSpc>
           <a:spcPct val="100000"/>
         </a:lnSpc>
@@ -1662,7 +1691,7 @@
           <a:srgbClr val="000000"/>
         </a:buClr>
         <a:buFont typeface="Arial"/>
-        <a:defRPr b="0" i="0" sz="1400" u="none" cap="none" strike="noStrike">
+        <a:defRPr sz="1400" b="0" i="0" u="none" strike="noStrike" cap="none">
           <a:solidFill>
             <a:srgbClr val="000000"/>
           </a:solidFill>
@@ -1672,7 +1701,7 @@
           <a:sym typeface="Arial"/>
         </a:defRPr>
       </a:lvl8pPr>
-      <a:lvl9pPr lvl="8" marR="0" rtl="0" algn="l">
+      <a:lvl9pPr marR="0" lvl="8" algn="l" rtl="0">
         <a:lnSpc>
           <a:spcPct val="100000"/>
         </a:lnSpc>
@@ -1686,7 +1715,7 @@
           <a:srgbClr val="000000"/>
         </a:buClr>
         <a:buFont typeface="Arial"/>
-        <a:defRPr b="0" i="0" sz="1400" u="none" cap="none" strike="noStrike">
+        <a:defRPr sz="1400" b="0" i="0" u="none" strike="noStrike" cap="none">
           <a:solidFill>
             <a:srgbClr val="000000"/>
           </a:solidFill>
@@ -1698,7 +1727,7 @@
       </a:lvl9pPr>
     </p:bodyStyle>
     <p:otherStyle>
-      <a:defPPr lvl="0" marR="0" rtl="0" algn="l">
+      <a:defPPr marR="0" lvl="0" algn="l" rtl="0">
         <a:lnSpc>
           <a:spcPct val="100000"/>
         </a:lnSpc>
@@ -1709,7 +1738,7 @@
           <a:spcPts val="0"/>
         </a:spcAft>
       </a:defPPr>
-      <a:lvl1pPr lvl="0" marR="0" rtl="0" algn="l">
+      <a:lvl1pPr marR="0" lvl="0" algn="l" rtl="0">
         <a:lnSpc>
           <a:spcPct val="100000"/>
         </a:lnSpc>
@@ -1723,7 +1752,7 @@
           <a:srgbClr val="000000"/>
         </a:buClr>
         <a:buFont typeface="Arial"/>
-        <a:defRPr b="0" i="0" sz="1400" u="none" cap="none" strike="noStrike">
+        <a:defRPr sz="1400" b="0" i="0" u="none" strike="noStrike" cap="none">
           <a:solidFill>
             <a:srgbClr val="000000"/>
           </a:solidFill>
@@ -1733,7 +1762,7 @@
           <a:sym typeface="Arial"/>
         </a:defRPr>
       </a:lvl1pPr>
-      <a:lvl2pPr lvl="1" marR="0" rtl="0" algn="l">
+      <a:lvl2pPr marR="0" lvl="1" algn="l" rtl="0">
         <a:lnSpc>
           <a:spcPct val="100000"/>
         </a:lnSpc>
@@ -1747,7 +1776,7 @@
           <a:srgbClr val="000000"/>
         </a:buClr>
         <a:buFont typeface="Arial"/>
-        <a:defRPr b="0" i="0" sz="1400" u="none" cap="none" strike="noStrike">
+        <a:defRPr sz="1400" b="0" i="0" u="none" strike="noStrike" cap="none">
           <a:solidFill>
             <a:srgbClr val="000000"/>
           </a:solidFill>
@@ -1757,7 +1786,7 @@
           <a:sym typeface="Arial"/>
         </a:defRPr>
       </a:lvl2pPr>
-      <a:lvl3pPr lvl="2" marR="0" rtl="0" algn="l">
+      <a:lvl3pPr marR="0" lvl="2" algn="l" rtl="0">
         <a:lnSpc>
           <a:spcPct val="100000"/>
         </a:lnSpc>
@@ -1771,7 +1800,7 @@
           <a:srgbClr val="000000"/>
         </a:buClr>
         <a:buFont typeface="Arial"/>
-        <a:defRPr b="0" i="0" sz="1400" u="none" cap="none" strike="noStrike">
+        <a:defRPr sz="1400" b="0" i="0" u="none" strike="noStrike" cap="none">
           <a:solidFill>
             <a:srgbClr val="000000"/>
           </a:solidFill>
@@ -1781,7 +1810,7 @@
           <a:sym typeface="Arial"/>
         </a:defRPr>
       </a:lvl3pPr>
-      <a:lvl4pPr lvl="3" marR="0" rtl="0" algn="l">
+      <a:lvl4pPr marR="0" lvl="3" algn="l" rtl="0">
         <a:lnSpc>
           <a:spcPct val="100000"/>
         </a:lnSpc>
@@ -1795,7 +1824,7 @@
           <a:srgbClr val="000000"/>
         </a:buClr>
         <a:buFont typeface="Arial"/>
-        <a:defRPr b="0" i="0" sz="1400" u="none" cap="none" strike="noStrike">
+        <a:defRPr sz="1400" b="0" i="0" u="none" strike="noStrike" cap="none">
           <a:solidFill>
             <a:srgbClr val="000000"/>
           </a:solidFill>
@@ -1805,7 +1834,7 @@
           <a:sym typeface="Arial"/>
         </a:defRPr>
       </a:lvl4pPr>
-      <a:lvl5pPr lvl="4" marR="0" rtl="0" algn="l">
+      <a:lvl5pPr marR="0" lvl="4" algn="l" rtl="0">
         <a:lnSpc>
           <a:spcPct val="100000"/>
         </a:lnSpc>
@@ -1819,7 +1848,7 @@
           <a:srgbClr val="000000"/>
         </a:buClr>
         <a:buFont typeface="Arial"/>
-        <a:defRPr b="0" i="0" sz="1400" u="none" cap="none" strike="noStrike">
+        <a:defRPr sz="1400" b="0" i="0" u="none" strike="noStrike" cap="none">
           <a:solidFill>
             <a:srgbClr val="000000"/>
           </a:solidFill>
@@ -1829,7 +1858,7 @@
           <a:sym typeface="Arial"/>
         </a:defRPr>
       </a:lvl5pPr>
-      <a:lvl6pPr lvl="5" marR="0" rtl="0" algn="l">
+      <a:lvl6pPr marR="0" lvl="5" algn="l" rtl="0">
         <a:lnSpc>
           <a:spcPct val="100000"/>
         </a:lnSpc>
@@ -1843,7 +1872,7 @@
           <a:srgbClr val="000000"/>
         </a:buClr>
         <a:buFont typeface="Arial"/>
-        <a:defRPr b="0" i="0" sz="1400" u="none" cap="none" strike="noStrike">
+        <a:defRPr sz="1400" b="0" i="0" u="none" strike="noStrike" cap="none">
           <a:solidFill>
             <a:srgbClr val="000000"/>
           </a:solidFill>
@@ -1853,7 +1882,7 @@
           <a:sym typeface="Arial"/>
         </a:defRPr>
       </a:lvl6pPr>
-      <a:lvl7pPr lvl="6" marR="0" rtl="0" algn="l">
+      <a:lvl7pPr marR="0" lvl="6" algn="l" rtl="0">
         <a:lnSpc>
           <a:spcPct val="100000"/>
         </a:lnSpc>
@@ -1867,7 +1896,7 @@
           <a:srgbClr val="000000"/>
         </a:buClr>
         <a:buFont typeface="Arial"/>
-        <a:defRPr b="0" i="0" sz="1400" u="none" cap="none" strike="noStrike">
+        <a:defRPr sz="1400" b="0" i="0" u="none" strike="noStrike" cap="none">
           <a:solidFill>
             <a:srgbClr val="000000"/>
           </a:solidFill>
@@ -1877,7 +1906,7 @@
           <a:sym typeface="Arial"/>
         </a:defRPr>
       </a:lvl7pPr>
-      <a:lvl8pPr lvl="7" marR="0" rtl="0" algn="l">
+      <a:lvl8pPr marR="0" lvl="7" algn="l" rtl="0">
         <a:lnSpc>
           <a:spcPct val="100000"/>
         </a:lnSpc>
@@ -1891,7 +1920,7 @@
           <a:srgbClr val="000000"/>
         </a:buClr>
         <a:buFont typeface="Arial"/>
-        <a:defRPr b="0" i="0" sz="1400" u="none" cap="none" strike="noStrike">
+        <a:defRPr sz="1400" b="0" i="0" u="none" strike="noStrike" cap="none">
           <a:solidFill>
             <a:srgbClr val="000000"/>
           </a:solidFill>
@@ -1901,7 +1930,7 @@
           <a:sym typeface="Arial"/>
         </a:defRPr>
       </a:lvl8pPr>
-      <a:lvl9pPr lvl="8" marR="0" rtl="0" algn="l">
+      <a:lvl9pPr marR="0" lvl="8" algn="l" rtl="0">
         <a:lnSpc>
           <a:spcPct val="100000"/>
         </a:lnSpc>
@@ -1915,7 +1944,7 @@
           <a:srgbClr val="000000"/>
         </a:buClr>
         <a:buFont typeface="Arial"/>
-        <a:defRPr b="0" i="0" sz="1400" u="none" cap="none" strike="noStrike">
+        <a:defRPr sz="1400" b="0" i="0" u="none" strike="noStrike" cap="none">
           <a:solidFill>
             <a:srgbClr val="000000"/>
           </a:solidFill>
@@ -1931,11 +1960,11 @@
 </file>
 
 <file path=ppt/slides/slide1.xml><?xml version="1.0" encoding="utf-8"?>
-<p:sld xmlns:a="http://schemas.openxmlformats.org/drawingml/2006/main" xmlns:r="http://schemas.openxmlformats.org/officeDocument/2006/relationships" xmlns:mc="http://schemas.openxmlformats.org/markup-compatibility/2006" xmlns:mv="urn:schemas-microsoft-com:mac:vml" xmlns:p="http://schemas.openxmlformats.org/presentationml/2006/main" xmlns:c="http://schemas.openxmlformats.org/drawingml/2006/chart" xmlns:dgm="http://schemas.openxmlformats.org/drawingml/2006/diagram" xmlns:o="urn:schemas-microsoft-com:office:office" xmlns:v="urn:schemas-microsoft-com:vml" xmlns:pvml="urn:schemas-microsoft-com:office:powerpoint" xmlns:com="http://schemas.openxmlformats.org/drawingml/2006/compatibility" xmlns:p14="http://schemas.microsoft.com/office/powerpoint/2010/main" xmlns:p15="http://schemas.microsoft.com/office/powerpoint/2012/main" xmlns:ahyp="http://schemas.microsoft.com/office/drawing/2018/hyperlinkcolor">
+<p:sld xmlns:a="http://schemas.openxmlformats.org/drawingml/2006/main" xmlns:r="http://schemas.openxmlformats.org/officeDocument/2006/relationships" xmlns:p="http://schemas.openxmlformats.org/presentationml/2006/main">
   <p:cSld>
     <p:spTree>
       <p:nvGrpSpPr>
-        <p:cNvPr id="12" name="Shape 12"/>
+        <p:cNvPr id="1" name="Shape 12"/>
         <p:cNvGrpSpPr/>
         <p:nvPr/>
       </p:nvGrpSpPr>
@@ -1960,29 +1989,29 @@
           </a:xfrm>
           <a:prstGeom prst="roundRect">
             <a:avLst>
-              <a:gd fmla="val 2717" name="adj"/>
+              <a:gd name="adj" fmla="val 2717"/>
             </a:avLst>
           </a:prstGeom>
           <a:solidFill>
             <a:srgbClr val="0B0A0F"/>
           </a:solidFill>
-          <a:ln cap="flat" cmpd="sng" w="12700">
+          <a:ln w="12700" cap="flat" cmpd="sng">
             <a:solidFill>
               <a:srgbClr val="0B0A0F"/>
             </a:solidFill>
             <a:prstDash val="solid"/>
             <a:miter lim="800000"/>
-            <a:headEnd len="sm" w="sm" type="none"/>
-            <a:tailEnd len="sm" w="sm" type="none"/>
+            <a:headEnd type="none" w="sm" len="sm"/>
+            <a:tailEnd type="none" w="sm" len="sm"/>
           </a:ln>
         </p:spPr>
         <p:txBody>
-          <a:bodyPr anchorCtr="0" anchor="ctr" bIns="45700" lIns="91425" spcFirstLastPara="1" rIns="91425" wrap="square" tIns="45700">
+          <a:bodyPr spcFirstLastPara="1" wrap="square" lIns="91425" tIns="45700" rIns="91425" bIns="45700" anchor="ctr" anchorCtr="0">
             <a:noAutofit/>
           </a:bodyPr>
           <a:lstStyle/>
           <a:p>
-            <a:pPr indent="0" lvl="0" marL="0" marR="0" rtl="0" algn="ctr">
+            <a:pPr marL="0" marR="0" lvl="0" indent="0" algn="ctr" rtl="0">
               <a:spcBef>
                 <a:spcPts val="0"/>
               </a:spcBef>
@@ -1991,10 +2020,7 @@
               </a:spcAft>
               <a:buNone/>
             </a:pPr>
-            <a:r>
-              <a:t/>
-            </a:r>
-            <a:endParaRPr b="0" i="0" sz="1800" u="none" cap="none" strike="noStrike">
+            <a:endParaRPr sz="1800" b="0" i="0" u="none" strike="noStrike" cap="none">
               <a:solidFill>
                 <a:schemeClr val="lt1"/>
               </a:solidFill>
@@ -2019,29 +2045,29 @@
           </a:xfrm>
           <a:prstGeom prst="roundRect">
             <a:avLst>
-              <a:gd fmla="val 3334" name="adj"/>
+              <a:gd name="adj" fmla="val 3334"/>
             </a:avLst>
           </a:prstGeom>
           <a:solidFill>
             <a:srgbClr val="222127"/>
           </a:solidFill>
-          <a:ln cap="flat" cmpd="sng" w="12700">
+          <a:ln w="12700" cap="flat" cmpd="sng">
             <a:solidFill>
               <a:srgbClr val="222127"/>
             </a:solidFill>
             <a:prstDash val="solid"/>
             <a:miter lim="800000"/>
-            <a:headEnd len="sm" w="sm" type="none"/>
-            <a:tailEnd len="sm" w="sm" type="none"/>
+            <a:headEnd type="none" w="sm" len="sm"/>
+            <a:tailEnd type="none" w="sm" len="sm"/>
           </a:ln>
         </p:spPr>
         <p:txBody>
-          <a:bodyPr anchorCtr="0" anchor="ctr" bIns="45700" lIns="91425" spcFirstLastPara="1" rIns="91425" wrap="square" tIns="45700">
+          <a:bodyPr spcFirstLastPara="1" wrap="square" lIns="91425" tIns="45700" rIns="91425" bIns="45700" anchor="ctr" anchorCtr="0">
             <a:noAutofit/>
           </a:bodyPr>
           <a:lstStyle/>
           <a:p>
-            <a:pPr indent="0" lvl="0" marL="0" marR="0" rtl="0" algn="ctr">
+            <a:pPr marL="0" marR="0" lvl="0" indent="0" algn="ctr" rtl="0">
               <a:spcBef>
                 <a:spcPts val="0"/>
               </a:spcBef>
@@ -2050,10 +2076,7 @@
               </a:spcAft>
               <a:buNone/>
             </a:pPr>
-            <a:r>
-              <a:t/>
-            </a:r>
-            <a:endParaRPr b="0" i="0" sz="1800" u="none" cap="none" strike="noStrike">
+            <a:endParaRPr sz="1800" b="0" i="0" u="none" strike="noStrike" cap="none">
               <a:solidFill>
                 <a:schemeClr val="lt1"/>
               </a:solidFill>
@@ -2078,7 +2101,7 @@
           </a:xfrm>
           <a:prstGeom prst="roundRect">
             <a:avLst>
-              <a:gd fmla="val 11556" name="adj"/>
+              <a:gd name="adj" fmla="val 11556"/>
             </a:avLst>
           </a:prstGeom>
           <a:gradFill>
@@ -2099,7 +2122,7 @@
             <a:noFill/>
           </a:ln>
           <a:effectLst>
-            <a:outerShdw blurRad="50800" rotWithShape="0" algn="tr" dir="8100000" dist="38100">
+            <a:outerShdw blurRad="50800" dist="38100" dir="8100000" algn="tr" rotWithShape="0">
               <a:srgbClr val="F2F2F2">
                 <a:alpha val="40000"/>
               </a:srgbClr>
@@ -2107,12 +2130,12 @@
           </a:effectLst>
         </p:spPr>
         <p:txBody>
-          <a:bodyPr anchorCtr="0" anchor="ctr" bIns="45700" lIns="91425" spcFirstLastPara="1" rIns="91425" wrap="square" tIns="45700">
+          <a:bodyPr spcFirstLastPara="1" wrap="square" lIns="91425" tIns="45700" rIns="91425" bIns="45700" anchor="ctr" anchorCtr="0">
             <a:noAutofit/>
           </a:bodyPr>
           <a:lstStyle/>
           <a:p>
-            <a:pPr indent="0" lvl="0" marL="0" marR="0" rtl="0" algn="ctr">
+            <a:pPr marL="0" marR="0" lvl="0" indent="0" algn="ctr" rtl="0">
               <a:spcBef>
                 <a:spcPts val="0"/>
               </a:spcBef>
@@ -2121,10 +2144,7 @@
               </a:spcAft>
               <a:buNone/>
             </a:pPr>
-            <a:r>
-              <a:t/>
-            </a:r>
-            <a:endParaRPr b="0" i="0" sz="1800" u="none" cap="none" strike="noStrike">
+            <a:endParaRPr sz="1800" b="0" i="0" u="none" strike="noStrike" cap="none">
               <a:solidFill>
                 <a:srgbClr val="1A191E"/>
               </a:solidFill>
@@ -2146,7 +2166,7 @@
           <a:blip r:embed="rId3">
             <a:alphaModFix/>
           </a:blip>
-          <a:srcRect b="0" l="0" r="0" t="0"/>
+          <a:srcRect/>
           <a:stretch/>
         </p:blipFill>
         <p:spPr>
@@ -2176,7 +2196,7 @@
           </a:xfrm>
           <a:prstGeom prst="roundRect">
             <a:avLst>
-              <a:gd fmla="val 10244" name="adj"/>
+              <a:gd name="adj" fmla="val 10244"/>
             </a:avLst>
           </a:prstGeom>
           <a:gradFill>
@@ -2197,7 +2217,7 @@
             <a:noFill/>
           </a:ln>
           <a:effectLst>
-            <a:outerShdw blurRad="50800" rotWithShape="0" algn="tr" dir="8100000" dist="38100">
+            <a:outerShdw blurRad="50800" dist="38100" dir="8100000" algn="tr" rotWithShape="0">
               <a:srgbClr val="F2F2F2">
                 <a:alpha val="40000"/>
               </a:srgbClr>
@@ -2205,12 +2225,12 @@
           </a:effectLst>
         </p:spPr>
         <p:txBody>
-          <a:bodyPr anchorCtr="0" anchor="ctr" bIns="45700" lIns="91425" spcFirstLastPara="1" rIns="91425" wrap="square" tIns="45700">
+          <a:bodyPr spcFirstLastPara="1" wrap="square" lIns="91425" tIns="45700" rIns="91425" bIns="45700" anchor="ctr" anchorCtr="0">
             <a:noAutofit/>
           </a:bodyPr>
           <a:lstStyle/>
           <a:p>
-            <a:pPr indent="0" lvl="0" marL="0" marR="0" rtl="0" algn="ctr">
+            <a:pPr marL="0" marR="0" lvl="0" indent="0" algn="ctr" rtl="0">
               <a:spcBef>
                 <a:spcPts val="0"/>
               </a:spcBef>
@@ -2219,10 +2239,7 @@
               </a:spcAft>
               <a:buNone/>
             </a:pPr>
-            <a:r>
-              <a:t/>
-            </a:r>
-            <a:endParaRPr b="0" i="0" sz="1800" u="none" cap="none" strike="noStrike">
+            <a:endParaRPr sz="1800" b="0" i="0" u="none" strike="noStrike" cap="none">
               <a:solidFill>
                 <a:schemeClr val="lt1"/>
               </a:solidFill>
@@ -2247,7 +2264,7 @@
           </a:xfrm>
           <a:prstGeom prst="roundRect">
             <a:avLst>
-              <a:gd fmla="val 10244" name="adj"/>
+              <a:gd name="adj" fmla="val 10244"/>
             </a:avLst>
           </a:prstGeom>
           <a:gradFill>
@@ -2268,7 +2285,7 @@
             <a:noFill/>
           </a:ln>
           <a:effectLst>
-            <a:outerShdw blurRad="50800" rotWithShape="0" algn="tr" dir="8100000" dist="38100">
+            <a:outerShdw blurRad="50800" dist="38100" dir="8100000" algn="tr" rotWithShape="0">
               <a:srgbClr val="F2F2F2">
                 <a:alpha val="40000"/>
               </a:srgbClr>
@@ -2276,12 +2293,12 @@
           </a:effectLst>
         </p:spPr>
         <p:txBody>
-          <a:bodyPr anchorCtr="0" anchor="ctr" bIns="45700" lIns="91425" spcFirstLastPara="1" rIns="91425" wrap="square" tIns="45700">
+          <a:bodyPr spcFirstLastPara="1" wrap="square" lIns="91425" tIns="45700" rIns="91425" bIns="45700" anchor="ctr" anchorCtr="0">
             <a:noAutofit/>
           </a:bodyPr>
           <a:lstStyle/>
           <a:p>
-            <a:pPr indent="0" lvl="0" marL="0" marR="0" rtl="0" algn="ctr">
+            <a:pPr marL="0" marR="0" lvl="0" indent="0" algn="ctr" rtl="0">
               <a:spcBef>
                 <a:spcPts val="0"/>
               </a:spcBef>
@@ -2290,10 +2307,7 @@
               </a:spcAft>
               <a:buNone/>
             </a:pPr>
-            <a:r>
-              <a:t/>
-            </a:r>
-            <a:endParaRPr b="0" i="0" sz="1800" u="none" cap="none" strike="noStrike">
+            <a:endParaRPr sz="1800" b="0" i="0" u="none" strike="noStrike" cap="none">
               <a:solidFill>
                 <a:schemeClr val="lt1"/>
               </a:solidFill>
@@ -2318,7 +2332,7 @@
           </a:xfrm>
           <a:prstGeom prst="roundRect">
             <a:avLst>
-              <a:gd fmla="val 8932" name="adj"/>
+              <a:gd name="adj" fmla="val 8932"/>
             </a:avLst>
           </a:prstGeom>
           <a:gradFill>
@@ -2339,7 +2353,7 @@
             <a:noFill/>
           </a:ln>
           <a:effectLst>
-            <a:outerShdw blurRad="50800" rotWithShape="0" algn="tr" dir="8100000" dist="38100">
+            <a:outerShdw blurRad="50800" dist="38100" dir="8100000" algn="tr" rotWithShape="0">
               <a:srgbClr val="F2F2F2">
                 <a:alpha val="40000"/>
               </a:srgbClr>
@@ -2347,12 +2361,12 @@
           </a:effectLst>
         </p:spPr>
         <p:txBody>
-          <a:bodyPr anchorCtr="0" anchor="ctr" bIns="45700" lIns="91425" spcFirstLastPara="1" rIns="91425" wrap="square" tIns="45700">
+          <a:bodyPr spcFirstLastPara="1" wrap="square" lIns="91425" tIns="45700" rIns="91425" bIns="45700" anchor="ctr" anchorCtr="0">
             <a:noAutofit/>
           </a:bodyPr>
           <a:lstStyle/>
           <a:p>
-            <a:pPr indent="0" lvl="0" marL="0" marR="0" rtl="0" algn="ctr">
+            <a:pPr marL="0" marR="0" lvl="0" indent="0" algn="ctr" rtl="0">
               <a:spcBef>
                 <a:spcPts val="0"/>
               </a:spcBef>
@@ -2361,10 +2375,7 @@
               </a:spcAft>
               <a:buNone/>
             </a:pPr>
-            <a:r>
-              <a:t/>
-            </a:r>
-            <a:endParaRPr b="0" i="0" sz="1800" u="none" cap="none" strike="noStrike">
+            <a:endParaRPr sz="1800" b="0" i="0" u="none" strike="noStrike" cap="none">
               <a:solidFill>
                 <a:schemeClr val="lt1"/>
               </a:solidFill>
@@ -2389,7 +2400,7 @@
           </a:xfrm>
           <a:prstGeom prst="roundRect">
             <a:avLst>
-              <a:gd fmla="val 4149" name="adj"/>
+              <a:gd name="adj" fmla="val 4149"/>
             </a:avLst>
           </a:prstGeom>
           <a:gradFill>
@@ -2410,7 +2421,7 @@
             <a:noFill/>
           </a:ln>
           <a:effectLst>
-            <a:outerShdw blurRad="50800" rotWithShape="0" algn="tr" dir="8100000" dist="38100">
+            <a:outerShdw blurRad="50800" dist="38100" dir="8100000" algn="tr" rotWithShape="0">
               <a:srgbClr val="F2F2F2">
                 <a:alpha val="40000"/>
               </a:srgbClr>
@@ -2418,12 +2429,12 @@
           </a:effectLst>
         </p:spPr>
         <p:txBody>
-          <a:bodyPr anchorCtr="0" anchor="ctr" bIns="45700" lIns="91425" spcFirstLastPara="1" rIns="91425" wrap="square" tIns="45700">
+          <a:bodyPr spcFirstLastPara="1" wrap="square" lIns="91425" tIns="45700" rIns="91425" bIns="45700" anchor="ctr" anchorCtr="0">
             <a:noAutofit/>
           </a:bodyPr>
           <a:lstStyle/>
           <a:p>
-            <a:pPr indent="0" lvl="0" marL="0" marR="0" rtl="0" algn="ctr">
+            <a:pPr marL="0" marR="0" lvl="0" indent="0" algn="ctr" rtl="0">
               <a:spcBef>
                 <a:spcPts val="0"/>
               </a:spcBef>
@@ -2432,10 +2443,7 @@
               </a:spcAft>
               <a:buNone/>
             </a:pPr>
-            <a:r>
-              <a:t/>
-            </a:r>
-            <a:endParaRPr b="0" i="0" sz="1800" u="none" cap="none" strike="noStrike">
+            <a:endParaRPr sz="1800" b="0" i="0" u="none" strike="noStrike" cap="none">
               <a:solidFill>
                 <a:schemeClr val="lt1"/>
               </a:solidFill>
@@ -2460,7 +2468,7 @@
           </a:xfrm>
           <a:prstGeom prst="roundRect">
             <a:avLst>
-              <a:gd fmla="val 5871" name="adj"/>
+              <a:gd name="adj" fmla="val 5871"/>
             </a:avLst>
           </a:prstGeom>
           <a:gradFill>
@@ -2481,7 +2489,7 @@
             <a:noFill/>
           </a:ln>
           <a:effectLst>
-            <a:outerShdw blurRad="50800" rotWithShape="0" algn="tr" dir="8100000" dist="38100">
+            <a:outerShdw blurRad="50800" dist="38100" dir="8100000" algn="tr" rotWithShape="0">
               <a:srgbClr val="F2F2F2">
                 <a:alpha val="40000"/>
               </a:srgbClr>
@@ -2489,12 +2497,12 @@
           </a:effectLst>
         </p:spPr>
         <p:txBody>
-          <a:bodyPr anchorCtr="0" anchor="ctr" bIns="45700" lIns="91425" spcFirstLastPara="1" rIns="91425" wrap="square" tIns="45700">
+          <a:bodyPr spcFirstLastPara="1" wrap="square" lIns="91425" tIns="45700" rIns="91425" bIns="45700" anchor="ctr" anchorCtr="0">
             <a:noAutofit/>
           </a:bodyPr>
           <a:lstStyle/>
           <a:p>
-            <a:pPr indent="0" lvl="0" marL="0" marR="0" rtl="0" algn="ctr">
+            <a:pPr marL="0" marR="0" lvl="0" indent="0" algn="ctr" rtl="0">
               <a:spcBef>
                 <a:spcPts val="0"/>
               </a:spcBef>
@@ -2503,10 +2511,7 @@
               </a:spcAft>
               <a:buNone/>
             </a:pPr>
-            <a:r>
-              <a:t/>
-            </a:r>
-            <a:endParaRPr b="0" i="0" sz="1800" u="none" cap="none" strike="noStrike">
+            <a:endParaRPr sz="1800" b="0" i="0" u="none" strike="noStrike" cap="none">
               <a:solidFill>
                 <a:schemeClr val="lt1"/>
               </a:solidFill>
@@ -2531,7 +2536,7 @@
           </a:xfrm>
           <a:prstGeom prst="roundRect">
             <a:avLst>
-              <a:gd fmla="val 6745" name="adj"/>
+              <a:gd name="adj" fmla="val 6745"/>
             </a:avLst>
           </a:prstGeom>
           <a:gradFill>
@@ -2552,7 +2557,7 @@
             <a:noFill/>
           </a:ln>
           <a:effectLst>
-            <a:outerShdw blurRad="50800" rotWithShape="0" algn="tr" dir="8100000" dist="38100">
+            <a:outerShdw blurRad="50800" dist="38100" dir="8100000" algn="tr" rotWithShape="0">
               <a:srgbClr val="F2F2F2">
                 <a:alpha val="40000"/>
               </a:srgbClr>
@@ -2560,12 +2565,12 @@
           </a:effectLst>
         </p:spPr>
         <p:txBody>
-          <a:bodyPr anchorCtr="0" anchor="ctr" bIns="45700" lIns="91425" spcFirstLastPara="1" rIns="91425" wrap="square" tIns="45700">
+          <a:bodyPr spcFirstLastPara="1" wrap="square" lIns="91425" tIns="45700" rIns="91425" bIns="45700" anchor="ctr" anchorCtr="0">
             <a:noAutofit/>
           </a:bodyPr>
           <a:lstStyle/>
           <a:p>
-            <a:pPr indent="0" lvl="0" marL="0" marR="0" rtl="0" algn="ctr">
+            <a:pPr marL="0" marR="0" lvl="0" indent="0" algn="ctr" rtl="0">
               <a:spcBef>
                 <a:spcPts val="0"/>
               </a:spcBef>
@@ -2574,10 +2579,7 @@
               </a:spcAft>
               <a:buNone/>
             </a:pPr>
-            <a:r>
-              <a:t/>
-            </a:r>
-            <a:endParaRPr b="0" i="0" sz="1800" u="none" cap="none" strike="noStrike">
+            <a:endParaRPr sz="1800" b="0" i="0" u="none" strike="noStrike" cap="none">
               <a:solidFill>
                 <a:schemeClr val="lt1"/>
               </a:solidFill>
@@ -2597,8 +2599,8 @@
         </p:nvSpPr>
         <p:spPr>
           <a:xfrm>
-            <a:off x="3268998" y="9398"/>
-            <a:ext cx="6233193" cy="707886"/>
+            <a:off x="2979403" y="160297"/>
+            <a:ext cx="6233193" cy="461624"/>
           </a:xfrm>
           <a:prstGeom prst="rect">
             <a:avLst/>
@@ -2609,12 +2611,12 @@
           </a:ln>
         </p:spPr>
         <p:txBody>
-          <a:bodyPr anchorCtr="0" anchor="t" bIns="45700" lIns="91425" spcFirstLastPara="1" rIns="91425" wrap="square" tIns="45700">
+          <a:bodyPr spcFirstLastPara="1" wrap="square" lIns="91425" tIns="45700" rIns="91425" bIns="45700" anchor="t" anchorCtr="0">
             <a:spAutoFit/>
           </a:bodyPr>
           <a:lstStyle/>
           <a:p>
-            <a:pPr indent="0" lvl="0" marL="0" marR="0" rtl="0" algn="ctr">
+            <a:pPr marL="0" marR="0" lvl="0" indent="0" algn="ctr" rtl="0">
               <a:lnSpc>
                 <a:spcPct val="100000"/>
               </a:lnSpc>
@@ -2632,18 +2634,23 @@
               <a:buNone/>
             </a:pPr>
             <a:r>
-              <a:rPr b="0" i="0" lang="pt-BR" sz="4000" u="none" cap="none" strike="noStrike">
+              <a:rPr lang="pt-BR" sz="2400" b="1" i="0" u="none" strike="noStrike" cap="none" dirty="0">
                 <a:solidFill>
-                  <a:schemeClr val="lt1"/>
+                  <a:srgbClr val="D8A24F"/>
                 </a:solidFill>
-                <a:latin typeface="Arial"/>
+                <a:latin typeface="+mj-lt"/>
                 <a:ea typeface="Arial"/>
                 <a:cs typeface="Arial"/>
                 <a:sym typeface="Arial"/>
               </a:rPr>
-              <a:t>DASHBOARD DE PRODUÇÃO</a:t>
+              <a:t>INDICADORES DE PRODUÇÃO</a:t>
             </a:r>
-            <a:endParaRPr/>
+            <a:endParaRPr sz="2400" b="1" dirty="0">
+              <a:solidFill>
+                <a:srgbClr val="D8A24F"/>
+              </a:solidFill>
+              <a:latin typeface="+mj-lt"/>
+            </a:endParaRPr>
           </a:p>
         </p:txBody>
       </p:sp>
@@ -2660,7 +2667,7 @@
           </a:xfrm>
           <a:prstGeom prst="roundRect">
             <a:avLst>
-              <a:gd fmla="val 8932" name="adj"/>
+              <a:gd name="adj" fmla="val 8932"/>
             </a:avLst>
           </a:prstGeom>
           <a:solidFill>
@@ -2670,7 +2677,7 @@
             <a:noFill/>
           </a:ln>
           <a:effectLst>
-            <a:outerShdw blurRad="50800" rotWithShape="0" algn="tr" dir="8100000" dist="38100">
+            <a:outerShdw blurRad="50800" dist="38100" dir="8100000" algn="tr" rotWithShape="0">
               <a:srgbClr val="F2F2F2">
                 <a:alpha val="40000"/>
               </a:srgbClr>
@@ -2678,12 +2685,12 @@
           </a:effectLst>
         </p:spPr>
         <p:txBody>
-          <a:bodyPr anchorCtr="0" anchor="ctr" bIns="45700" lIns="91425" spcFirstLastPara="1" rIns="91425" wrap="square" tIns="45700">
+          <a:bodyPr spcFirstLastPara="1" wrap="square" lIns="91425" tIns="45700" rIns="91425" bIns="45700" anchor="ctr" anchorCtr="0">
             <a:noAutofit/>
           </a:bodyPr>
           <a:lstStyle/>
           <a:p>
-            <a:pPr indent="0" lvl="0" marL="0" marR="0" rtl="0" algn="ctr">
+            <a:pPr marL="0" marR="0" lvl="0" indent="0" algn="ctr" rtl="0">
               <a:spcBef>
                 <a:spcPts val="0"/>
               </a:spcBef>
@@ -2692,10 +2699,7 @@
               </a:spcAft>
               <a:buNone/>
             </a:pPr>
-            <a:r>
-              <a:t/>
-            </a:r>
-            <a:endParaRPr b="0" i="0" sz="1800" u="none" cap="none" strike="noStrike">
+            <a:endParaRPr sz="1800" b="0" i="0" u="none" strike="noStrike" cap="none">
               <a:solidFill>
                 <a:schemeClr val="lt1"/>
               </a:solidFill>
@@ -2720,7 +2724,7 @@
           </a:xfrm>
           <a:prstGeom prst="roundRect">
             <a:avLst>
-              <a:gd fmla="val 8932" name="adj"/>
+              <a:gd name="adj" fmla="val 8932"/>
             </a:avLst>
           </a:prstGeom>
           <a:solidFill>
@@ -2730,7 +2734,7 @@
             <a:noFill/>
           </a:ln>
           <a:effectLst>
-            <a:outerShdw blurRad="50800" rotWithShape="0" algn="tr" dir="8100000" dist="38100">
+            <a:outerShdw blurRad="50800" dist="38100" dir="8100000" algn="tr" rotWithShape="0">
               <a:srgbClr val="F2F2F2">
                 <a:alpha val="40000"/>
               </a:srgbClr>
@@ -2738,12 +2742,12 @@
           </a:effectLst>
         </p:spPr>
         <p:txBody>
-          <a:bodyPr anchorCtr="0" anchor="ctr" bIns="45700" lIns="91425" spcFirstLastPara="1" rIns="91425" wrap="square" tIns="45700">
+          <a:bodyPr spcFirstLastPara="1" wrap="square" lIns="91425" tIns="45700" rIns="91425" bIns="45700" anchor="ctr" anchorCtr="0">
             <a:noAutofit/>
           </a:bodyPr>
           <a:lstStyle/>
           <a:p>
-            <a:pPr indent="0" lvl="0" marL="0" marR="0" rtl="0" algn="ctr">
+            <a:pPr marL="0" marR="0" lvl="0" indent="0" algn="ctr" rtl="0">
               <a:spcBef>
                 <a:spcPts val="0"/>
               </a:spcBef>
@@ -2752,10 +2756,7 @@
               </a:spcAft>
               <a:buNone/>
             </a:pPr>
-            <a:r>
-              <a:t/>
-            </a:r>
-            <a:endParaRPr b="0" i="0" sz="1800" u="none" cap="none" strike="noStrike">
+            <a:endParaRPr sz="1800" b="0" i="0" u="none" strike="noStrike" cap="none">
               <a:solidFill>
                 <a:schemeClr val="lt1"/>
               </a:solidFill>
@@ -2776,7 +2777,7 @@
 </file>
 
 <file path=ppt/theme/theme1.xml><?xml version="1.0" encoding="utf-8"?>
-<a:theme xmlns:a="http://schemas.openxmlformats.org/drawingml/2006/main" xmlns:r="http://schemas.openxmlformats.org/officeDocument/2006/relationships" name="Tema do Office">
+<a:theme xmlns:a="http://schemas.openxmlformats.org/drawingml/2006/main" name="Tema do Office">
   <a:themeElements>
     <a:clrScheme name="Office">
       <a:dk1>
@@ -3051,11 +3052,13 @@
       </a:bgFillStyleLst>
     </a:fmtScheme>
   </a:themeElements>
+  <a:objectDefaults/>
+  <a:extraClrSchemeLst/>
 </a:theme>
 </file>
 
 <file path=ppt/theme/theme2.xml><?xml version="1.0" encoding="utf-8"?>
-<a:theme xmlns:a="http://schemas.openxmlformats.org/drawingml/2006/main" xmlns:r="http://schemas.openxmlformats.org/officeDocument/2006/relationships">
+<a:theme xmlns:a="http://schemas.openxmlformats.org/drawingml/2006/main">
   <a:themeElements>
     <a:clrScheme name="Default">
       <a:dk1>
@@ -3330,5 +3333,7 @@
       </a:bgFillStyleLst>
     </a:fmtScheme>
   </a:themeElements>
+  <a:objectDefaults/>
+  <a:extraClrSchemeLst/>
 </a:theme>
 </file>